--- a/0322/基于草图的图像检索.pptx
+++ b/0322/基于草图的图像检索.pptx
@@ -5,16 +5,21 @@
     <p:sldMasterId id="2147483648" r:id="rId1"/>
     <p:sldMasterId id="2147483661" r:id="rId2"/>
   </p:sldMasterIdLst>
+  <p:notesMasterIdLst>
+    <p:notesMasterId r:id="rId14"/>
+  </p:notesMasterIdLst>
   <p:sldIdLst>
     <p:sldId id="256" r:id="rId3"/>
-    <p:sldId id="258" r:id="rId4"/>
-    <p:sldId id="266" r:id="rId5"/>
-    <p:sldId id="257" r:id="rId6"/>
-    <p:sldId id="259" r:id="rId7"/>
-    <p:sldId id="262" r:id="rId8"/>
-    <p:sldId id="267" r:id="rId9"/>
-    <p:sldId id="263" r:id="rId10"/>
-    <p:sldId id="264" r:id="rId11"/>
+    <p:sldId id="257" r:id="rId4"/>
+    <p:sldId id="258" r:id="rId5"/>
+    <p:sldId id="259" r:id="rId6"/>
+    <p:sldId id="260" r:id="rId7"/>
+    <p:sldId id="265" r:id="rId8"/>
+    <p:sldId id="266" r:id="rId9"/>
+    <p:sldId id="261" r:id="rId10"/>
+    <p:sldId id="262" r:id="rId11"/>
+    <p:sldId id="263" r:id="rId12"/>
+    <p:sldId id="264" r:id="rId13"/>
   </p:sldIdLst>
   <p:sldSz cx="12192000" cy="6858000"/>
   <p:notesSz cx="7559675" cy="10691813"/>
@@ -116,6 +121,1013 @@
 </p:presentation>
 </file>
 
+<file path=ppt/notesMasters/notesMaster1.xml><?xml version="1.0" encoding="utf-8"?>
+<p:notesMaster xmlns:a="http://schemas.openxmlformats.org/drawingml/2006/main" xmlns:r="http://schemas.openxmlformats.org/officeDocument/2006/relationships" xmlns:p="http://schemas.openxmlformats.org/presentationml/2006/main">
+  <p:cSld>
+    <p:bg>
+      <p:bgRef idx="1001">
+        <a:schemeClr val="bg1"/>
+      </p:bgRef>
+    </p:bg>
+    <p:spTree>
+      <p:nvGrpSpPr>
+        <p:cNvPr id="1" name=""/>
+        <p:cNvGrpSpPr/>
+        <p:nvPr/>
+      </p:nvGrpSpPr>
+      <p:grpSpPr>
+        <a:xfrm>
+          <a:off x="0" y="0"/>
+          <a:ext cx="0" cy="0"/>
+          <a:chOff x="0" y="0"/>
+          <a:chExt cx="0" cy="0"/>
+        </a:xfrm>
+      </p:grpSpPr>
+      <p:sp>
+        <p:nvSpPr>
+          <p:cNvPr id="2" name="页眉占位符 1"/>
+          <p:cNvSpPr>
+            <a:spLocks noGrp="1"/>
+          </p:cNvSpPr>
+          <p:nvPr>
+            <p:ph type="hdr" sz="quarter"/>
+          </p:nvPr>
+        </p:nvSpPr>
+        <p:spPr>
+          <a:xfrm>
+            <a:off x="0" y="0"/>
+            <a:ext cx="3276600" cy="534988"/>
+          </a:xfrm>
+          <a:prstGeom prst="rect">
+            <a:avLst/>
+          </a:prstGeom>
+        </p:spPr>
+        <p:txBody>
+          <a:bodyPr vert="horz" lIns="91440" tIns="45720" rIns="91440" bIns="45720" rtlCol="0"/>
+          <a:lstStyle>
+            <a:lvl1pPr algn="l">
+              <a:defRPr sz="1200"/>
+            </a:lvl1pPr>
+          </a:lstStyle>
+          <a:p>
+            <a:endParaRPr lang="zh-CN" altLang="en-US"/>
+          </a:p>
+        </p:txBody>
+      </p:sp>
+      <p:sp>
+        <p:nvSpPr>
+          <p:cNvPr id="3" name="日期占位符 2"/>
+          <p:cNvSpPr>
+            <a:spLocks noGrp="1"/>
+          </p:cNvSpPr>
+          <p:nvPr>
+            <p:ph type="dt" idx="1"/>
+          </p:nvPr>
+        </p:nvSpPr>
+        <p:spPr>
+          <a:xfrm>
+            <a:off x="4281488" y="0"/>
+            <a:ext cx="3276600" cy="534988"/>
+          </a:xfrm>
+          <a:prstGeom prst="rect">
+            <a:avLst/>
+          </a:prstGeom>
+        </p:spPr>
+        <p:txBody>
+          <a:bodyPr vert="horz" lIns="91440" tIns="45720" rIns="91440" bIns="45720" rtlCol="0"/>
+          <a:lstStyle>
+            <a:lvl1pPr algn="r">
+              <a:defRPr sz="1200"/>
+            </a:lvl1pPr>
+          </a:lstStyle>
+          <a:p>
+            <a:fld id="{2BE1F01C-0FE6-45FB-90D3-719360D2C13F}" type="datetimeFigureOut">
+              <a:rPr lang="zh-CN" altLang="en-US" smtClean="0"/>
+              <a:t>2019/3/26</a:t>
+            </a:fld>
+            <a:endParaRPr lang="zh-CN" altLang="en-US"/>
+          </a:p>
+        </p:txBody>
+      </p:sp>
+      <p:sp>
+        <p:nvSpPr>
+          <p:cNvPr id="4" name="幻灯片图像占位符 3"/>
+          <p:cNvSpPr>
+            <a:spLocks noGrp="1" noRot="1" noChangeAspect="1"/>
+          </p:cNvSpPr>
+          <p:nvPr>
+            <p:ph type="sldImg" idx="2"/>
+          </p:nvPr>
+        </p:nvSpPr>
+        <p:spPr>
+          <a:xfrm>
+            <a:off x="215900" y="801688"/>
+            <a:ext cx="7127875" cy="4010025"/>
+          </a:xfrm>
+          <a:prstGeom prst="rect">
+            <a:avLst/>
+          </a:prstGeom>
+          <a:noFill/>
+          <a:ln w="12700">
+            <a:solidFill>
+              <a:prstClr val="black"/>
+            </a:solidFill>
+          </a:ln>
+        </p:spPr>
+        <p:txBody>
+          <a:bodyPr vert="horz" lIns="91440" tIns="45720" rIns="91440" bIns="45720" rtlCol="0" anchor="ctr"/>
+          <a:lstStyle/>
+          <a:p>
+            <a:endParaRPr lang="zh-CN" altLang="en-US"/>
+          </a:p>
+        </p:txBody>
+      </p:sp>
+      <p:sp>
+        <p:nvSpPr>
+          <p:cNvPr id="5" name="备注占位符 4"/>
+          <p:cNvSpPr>
+            <a:spLocks noGrp="1"/>
+          </p:cNvSpPr>
+          <p:nvPr>
+            <p:ph type="body" sz="quarter" idx="3"/>
+          </p:nvPr>
+        </p:nvSpPr>
+        <p:spPr>
+          <a:xfrm>
+            <a:off x="755650" y="5078413"/>
+            <a:ext cx="6048375" cy="4811712"/>
+          </a:xfrm>
+          <a:prstGeom prst="rect">
+            <a:avLst/>
+          </a:prstGeom>
+        </p:spPr>
+        <p:txBody>
+          <a:bodyPr vert="horz" lIns="91440" tIns="45720" rIns="91440" bIns="45720" rtlCol="0">
+            <a:normAutofit/>
+          </a:bodyPr>
+          <a:lstStyle/>
+          <a:p>
+            <a:pPr lvl="0"/>
+            <a:r>
+              <a:rPr lang="zh-CN" altLang="en-US" smtClean="0"/>
+              <a:t>单击此处编辑母版文本样式</a:t>
+            </a:r>
+          </a:p>
+          <a:p>
+            <a:pPr lvl="1"/>
+            <a:r>
+              <a:rPr lang="zh-CN" altLang="en-US" smtClean="0"/>
+              <a:t>第二级</a:t>
+            </a:r>
+          </a:p>
+          <a:p>
+            <a:pPr lvl="2"/>
+            <a:r>
+              <a:rPr lang="zh-CN" altLang="en-US" smtClean="0"/>
+              <a:t>第三级</a:t>
+            </a:r>
+          </a:p>
+          <a:p>
+            <a:pPr lvl="3"/>
+            <a:r>
+              <a:rPr lang="zh-CN" altLang="en-US" smtClean="0"/>
+              <a:t>第四级</a:t>
+            </a:r>
+          </a:p>
+          <a:p>
+            <a:pPr lvl="4"/>
+            <a:r>
+              <a:rPr lang="zh-CN" altLang="en-US" smtClean="0"/>
+              <a:t>第五级</a:t>
+            </a:r>
+            <a:endParaRPr lang="zh-CN" altLang="en-US"/>
+          </a:p>
+        </p:txBody>
+      </p:sp>
+      <p:sp>
+        <p:nvSpPr>
+          <p:cNvPr id="6" name="页脚占位符 5"/>
+          <p:cNvSpPr>
+            <a:spLocks noGrp="1"/>
+          </p:cNvSpPr>
+          <p:nvPr>
+            <p:ph type="ftr" sz="quarter" idx="4"/>
+          </p:nvPr>
+        </p:nvSpPr>
+        <p:spPr>
+          <a:xfrm>
+            <a:off x="0" y="10155238"/>
+            <a:ext cx="3276600" cy="534987"/>
+          </a:xfrm>
+          <a:prstGeom prst="rect">
+            <a:avLst/>
+          </a:prstGeom>
+        </p:spPr>
+        <p:txBody>
+          <a:bodyPr vert="horz" lIns="91440" tIns="45720" rIns="91440" bIns="45720" rtlCol="0" anchor="b"/>
+          <a:lstStyle>
+            <a:lvl1pPr algn="l">
+              <a:defRPr sz="1200"/>
+            </a:lvl1pPr>
+          </a:lstStyle>
+          <a:p>
+            <a:endParaRPr lang="zh-CN" altLang="en-US"/>
+          </a:p>
+        </p:txBody>
+      </p:sp>
+      <p:sp>
+        <p:nvSpPr>
+          <p:cNvPr id="7" name="灯片编号占位符 6"/>
+          <p:cNvSpPr>
+            <a:spLocks noGrp="1"/>
+          </p:cNvSpPr>
+          <p:nvPr>
+            <p:ph type="sldNum" sz="quarter" idx="5"/>
+          </p:nvPr>
+        </p:nvSpPr>
+        <p:spPr>
+          <a:xfrm>
+            <a:off x="4281488" y="10155238"/>
+            <a:ext cx="3276600" cy="534987"/>
+          </a:xfrm>
+          <a:prstGeom prst="rect">
+            <a:avLst/>
+          </a:prstGeom>
+        </p:spPr>
+        <p:txBody>
+          <a:bodyPr vert="horz" lIns="91440" tIns="45720" rIns="91440" bIns="45720" rtlCol="0" anchor="b"/>
+          <a:lstStyle>
+            <a:lvl1pPr algn="r">
+              <a:defRPr sz="1200"/>
+            </a:lvl1pPr>
+          </a:lstStyle>
+          <a:p>
+            <a:fld id="{7375F277-34A6-40F7-9E42-CD2B7E9B2EB3}" type="slidenum">
+              <a:rPr lang="zh-CN" altLang="en-US" smtClean="0"/>
+              <a:t>‹#›</a:t>
+            </a:fld>
+            <a:endParaRPr lang="zh-CN" altLang="en-US"/>
+          </a:p>
+        </p:txBody>
+      </p:sp>
+    </p:spTree>
+  </p:cSld>
+  <p:clrMap bg1="lt1" tx1="dk1" bg2="lt2" tx2="dk2" accent1="accent1" accent2="accent2" accent3="accent3" accent4="accent4" accent5="accent5" accent6="accent6" hlink="hlink" folHlink="folHlink"/>
+  <p:notesStyle>
+    <a:lvl1pPr marL="0" algn="l" defTabSz="914400" rtl="0" eaLnBrk="1" latinLnBrk="0" hangingPunct="1">
+      <a:defRPr sz="1200" kern="1200">
+        <a:solidFill>
+          <a:schemeClr val="tx1"/>
+        </a:solidFill>
+        <a:latin typeface="+mn-lt"/>
+        <a:ea typeface="+mn-ea"/>
+        <a:cs typeface="+mn-cs"/>
+      </a:defRPr>
+    </a:lvl1pPr>
+    <a:lvl2pPr marL="457200" algn="l" defTabSz="914400" rtl="0" eaLnBrk="1" latinLnBrk="0" hangingPunct="1">
+      <a:defRPr sz="1200" kern="1200">
+        <a:solidFill>
+          <a:schemeClr val="tx1"/>
+        </a:solidFill>
+        <a:latin typeface="+mn-lt"/>
+        <a:ea typeface="+mn-ea"/>
+        <a:cs typeface="+mn-cs"/>
+      </a:defRPr>
+    </a:lvl2pPr>
+    <a:lvl3pPr marL="914400" algn="l" defTabSz="914400" rtl="0" eaLnBrk="1" latinLnBrk="0" hangingPunct="1">
+      <a:defRPr sz="1200" kern="1200">
+        <a:solidFill>
+          <a:schemeClr val="tx1"/>
+        </a:solidFill>
+        <a:latin typeface="+mn-lt"/>
+        <a:ea typeface="+mn-ea"/>
+        <a:cs typeface="+mn-cs"/>
+      </a:defRPr>
+    </a:lvl3pPr>
+    <a:lvl4pPr marL="1371600" algn="l" defTabSz="914400" rtl="0" eaLnBrk="1" latinLnBrk="0" hangingPunct="1">
+      <a:defRPr sz="1200" kern="1200">
+        <a:solidFill>
+          <a:schemeClr val="tx1"/>
+        </a:solidFill>
+        <a:latin typeface="+mn-lt"/>
+        <a:ea typeface="+mn-ea"/>
+        <a:cs typeface="+mn-cs"/>
+      </a:defRPr>
+    </a:lvl4pPr>
+    <a:lvl5pPr marL="1828800" algn="l" defTabSz="914400" rtl="0" eaLnBrk="1" latinLnBrk="0" hangingPunct="1">
+      <a:defRPr sz="1200" kern="1200">
+        <a:solidFill>
+          <a:schemeClr val="tx1"/>
+        </a:solidFill>
+        <a:latin typeface="+mn-lt"/>
+        <a:ea typeface="+mn-ea"/>
+        <a:cs typeface="+mn-cs"/>
+      </a:defRPr>
+    </a:lvl5pPr>
+    <a:lvl6pPr marL="2286000" algn="l" defTabSz="914400" rtl="0" eaLnBrk="1" latinLnBrk="0" hangingPunct="1">
+      <a:defRPr sz="1200" kern="1200">
+        <a:solidFill>
+          <a:schemeClr val="tx1"/>
+        </a:solidFill>
+        <a:latin typeface="+mn-lt"/>
+        <a:ea typeface="+mn-ea"/>
+        <a:cs typeface="+mn-cs"/>
+      </a:defRPr>
+    </a:lvl6pPr>
+    <a:lvl7pPr marL="2743200" algn="l" defTabSz="914400" rtl="0" eaLnBrk="1" latinLnBrk="0" hangingPunct="1">
+      <a:defRPr sz="1200" kern="1200">
+        <a:solidFill>
+          <a:schemeClr val="tx1"/>
+        </a:solidFill>
+        <a:latin typeface="+mn-lt"/>
+        <a:ea typeface="+mn-ea"/>
+        <a:cs typeface="+mn-cs"/>
+      </a:defRPr>
+    </a:lvl7pPr>
+    <a:lvl8pPr marL="3200400" algn="l" defTabSz="914400" rtl="0" eaLnBrk="1" latinLnBrk="0" hangingPunct="1">
+      <a:defRPr sz="1200" kern="1200">
+        <a:solidFill>
+          <a:schemeClr val="tx1"/>
+        </a:solidFill>
+        <a:latin typeface="+mn-lt"/>
+        <a:ea typeface="+mn-ea"/>
+        <a:cs typeface="+mn-cs"/>
+      </a:defRPr>
+    </a:lvl8pPr>
+    <a:lvl9pPr marL="3657600" algn="l" defTabSz="914400" rtl="0" eaLnBrk="1" latinLnBrk="0" hangingPunct="1">
+      <a:defRPr sz="1200" kern="1200">
+        <a:solidFill>
+          <a:schemeClr val="tx1"/>
+        </a:solidFill>
+        <a:latin typeface="+mn-lt"/>
+        <a:ea typeface="+mn-ea"/>
+        <a:cs typeface="+mn-cs"/>
+      </a:defRPr>
+    </a:lvl9pPr>
+  </p:notesStyle>
+</p:notesMaster>
+</file>
+
+<file path=ppt/notesSlides/notesSlide1.xml><?xml version="1.0" encoding="utf-8"?>
+<p:notes xmlns:a="http://schemas.openxmlformats.org/drawingml/2006/main" xmlns:r="http://schemas.openxmlformats.org/officeDocument/2006/relationships" xmlns:p="http://schemas.openxmlformats.org/presentationml/2006/main">
+  <p:cSld>
+    <p:spTree>
+      <p:nvGrpSpPr>
+        <p:cNvPr id="1" name=""/>
+        <p:cNvGrpSpPr/>
+        <p:nvPr/>
+      </p:nvGrpSpPr>
+      <p:grpSpPr>
+        <a:xfrm>
+          <a:off x="0" y="0"/>
+          <a:ext cx="0" cy="0"/>
+          <a:chOff x="0" y="0"/>
+          <a:chExt cx="0" cy="0"/>
+        </a:xfrm>
+      </p:grpSpPr>
+      <p:sp>
+        <p:nvSpPr>
+          <p:cNvPr id="2" name="幻灯片图像占位符 1"/>
+          <p:cNvSpPr>
+            <a:spLocks noGrp="1" noRot="1" noChangeAspect="1"/>
+          </p:cNvSpPr>
+          <p:nvPr>
+            <p:ph type="sldImg"/>
+          </p:nvPr>
+        </p:nvSpPr>
+        <p:spPr/>
+      </p:sp>
+      <p:sp>
+        <p:nvSpPr>
+          <p:cNvPr id="3" name="备注占位符 2"/>
+          <p:cNvSpPr>
+            <a:spLocks noGrp="1"/>
+          </p:cNvSpPr>
+          <p:nvPr>
+            <p:ph type="body" idx="1"/>
+          </p:nvPr>
+        </p:nvSpPr>
+        <p:spPr/>
+        <p:txBody>
+          <a:bodyPr>
+            <a:normAutofit/>
+          </a:bodyPr>
+          <a:lstStyle/>
+          <a:p>
+            <a:r>
+              <a:rPr lang="en-US" altLang="zh-CN" dirty="0" smtClean="0"/>
+              <a:t>1</a:t>
+            </a:r>
+            <a:r>
+              <a:rPr lang="zh-CN" altLang="en-US" dirty="0" smtClean="0"/>
+              <a:t>）</a:t>
+            </a:r>
+            <a:r>
+              <a:rPr lang="zh-CN" altLang="en-US" sz="1200" kern="1200" dirty="0" smtClean="0">
+                <a:solidFill>
+                  <a:schemeClr val="tx1"/>
+                </a:solidFill>
+                <a:latin typeface="+mn-lt"/>
+                <a:ea typeface="+mn-ea"/>
+                <a:cs typeface="+mn-cs"/>
+              </a:rPr>
+              <a:t>实际的目标就是学习从</a:t>
+            </a:r>
+            <a:r>
+              <a:rPr lang="en-US" altLang="zh-CN" sz="1200" kern="1200" dirty="0" smtClean="0">
+                <a:solidFill>
+                  <a:schemeClr val="tx1"/>
+                </a:solidFill>
+                <a:latin typeface="+mn-lt"/>
+                <a:ea typeface="+mn-ea"/>
+                <a:cs typeface="+mn-cs"/>
+              </a:rPr>
+              <a:t>X</a:t>
+            </a:r>
+            <a:r>
+              <a:rPr lang="zh-CN" altLang="en-US" sz="1200" kern="1200" dirty="0" smtClean="0">
+                <a:solidFill>
+                  <a:schemeClr val="tx1"/>
+                </a:solidFill>
+                <a:latin typeface="+mn-lt"/>
+                <a:ea typeface="+mn-ea"/>
+                <a:cs typeface="+mn-cs"/>
+              </a:rPr>
+              <a:t>到</a:t>
+            </a:r>
+            <a:r>
+              <a:rPr lang="en-US" altLang="zh-CN" sz="1200" kern="1200" dirty="0" smtClean="0">
+                <a:solidFill>
+                  <a:schemeClr val="tx1"/>
+                </a:solidFill>
+                <a:latin typeface="+mn-lt"/>
+                <a:ea typeface="+mn-ea"/>
+                <a:cs typeface="+mn-cs"/>
+              </a:rPr>
+              <a:t>Y</a:t>
+            </a:r>
+            <a:r>
+              <a:rPr lang="zh-CN" altLang="en-US" sz="1200" kern="1200" dirty="0" smtClean="0">
+                <a:solidFill>
+                  <a:schemeClr val="tx1"/>
+                </a:solidFill>
+                <a:latin typeface="+mn-lt"/>
+                <a:ea typeface="+mn-ea"/>
+                <a:cs typeface="+mn-cs"/>
+              </a:rPr>
+              <a:t>的映射。我们设这个映射为</a:t>
+            </a:r>
+            <a:r>
+              <a:rPr lang="en-US" altLang="zh-CN" sz="1200" kern="1200" dirty="0" smtClean="0">
+                <a:solidFill>
+                  <a:schemeClr val="tx1"/>
+                </a:solidFill>
+                <a:latin typeface="+mn-lt"/>
+                <a:ea typeface="+mn-ea"/>
+                <a:cs typeface="+mn-cs"/>
+              </a:rPr>
+              <a:t>F</a:t>
+            </a:r>
+            <a:r>
+              <a:rPr lang="zh-CN" altLang="en-US" sz="1200" kern="1200" dirty="0" smtClean="0">
+                <a:solidFill>
+                  <a:schemeClr val="tx1"/>
+                </a:solidFill>
+                <a:latin typeface="+mn-lt"/>
+                <a:ea typeface="+mn-ea"/>
+                <a:cs typeface="+mn-cs"/>
+              </a:rPr>
+              <a:t>。它就对应着</a:t>
+            </a:r>
+            <a:r>
+              <a:rPr lang="en-US" altLang="zh-CN" sz="1200" kern="1200" dirty="0" smtClean="0">
+                <a:solidFill>
+                  <a:schemeClr val="tx1"/>
+                </a:solidFill>
+                <a:latin typeface="+mn-lt"/>
+                <a:ea typeface="+mn-ea"/>
+                <a:cs typeface="+mn-cs"/>
+              </a:rPr>
+              <a:t>GAN</a:t>
+            </a:r>
+            <a:r>
+              <a:rPr lang="zh-CN" altLang="en-US" sz="1200" kern="1200" dirty="0" smtClean="0">
+                <a:solidFill>
+                  <a:schemeClr val="tx1"/>
+                </a:solidFill>
+                <a:latin typeface="+mn-lt"/>
+                <a:ea typeface="+mn-ea"/>
+                <a:cs typeface="+mn-cs"/>
+              </a:rPr>
+              <a:t>中的生成器，</a:t>
+            </a:r>
+            <a:r>
+              <a:rPr lang="en-US" altLang="zh-CN" sz="1200" kern="1200" dirty="0" smtClean="0">
+                <a:solidFill>
+                  <a:schemeClr val="tx1"/>
+                </a:solidFill>
+                <a:latin typeface="+mn-lt"/>
+                <a:ea typeface="+mn-ea"/>
+                <a:cs typeface="+mn-cs"/>
+              </a:rPr>
+              <a:t>F</a:t>
+            </a:r>
+            <a:r>
+              <a:rPr lang="zh-CN" altLang="en-US" sz="1200" kern="1200" dirty="0" smtClean="0">
+                <a:solidFill>
+                  <a:schemeClr val="tx1"/>
+                </a:solidFill>
+                <a:latin typeface="+mn-lt"/>
+                <a:ea typeface="+mn-ea"/>
+                <a:cs typeface="+mn-cs"/>
+              </a:rPr>
+              <a:t>可以将</a:t>
+            </a:r>
+            <a:r>
+              <a:rPr lang="en-US" altLang="zh-CN" sz="1200" kern="1200" dirty="0" smtClean="0">
+                <a:solidFill>
+                  <a:schemeClr val="tx1"/>
+                </a:solidFill>
+                <a:latin typeface="+mn-lt"/>
+                <a:ea typeface="+mn-ea"/>
+                <a:cs typeface="+mn-cs"/>
+              </a:rPr>
+              <a:t>X</a:t>
+            </a:r>
+            <a:r>
+              <a:rPr lang="zh-CN" altLang="en-US" sz="1200" kern="1200" dirty="0" smtClean="0">
+                <a:solidFill>
+                  <a:schemeClr val="tx1"/>
+                </a:solidFill>
+                <a:latin typeface="+mn-lt"/>
+                <a:ea typeface="+mn-ea"/>
+                <a:cs typeface="+mn-cs"/>
+              </a:rPr>
+              <a:t>中的图片</a:t>
+            </a:r>
+            <a:r>
+              <a:rPr lang="en-US" altLang="zh-CN" sz="1200" kern="1200" dirty="0" smtClean="0">
+                <a:solidFill>
+                  <a:schemeClr val="tx1"/>
+                </a:solidFill>
+                <a:latin typeface="+mn-lt"/>
+                <a:ea typeface="+mn-ea"/>
+                <a:cs typeface="+mn-cs"/>
+              </a:rPr>
+              <a:t>x</a:t>
+            </a:r>
+            <a:r>
+              <a:rPr lang="zh-CN" altLang="en-US" sz="1200" kern="1200" dirty="0" smtClean="0">
+                <a:solidFill>
+                  <a:schemeClr val="tx1"/>
+                </a:solidFill>
+                <a:latin typeface="+mn-lt"/>
+                <a:ea typeface="+mn-ea"/>
+                <a:cs typeface="+mn-cs"/>
+              </a:rPr>
+              <a:t>转换为</a:t>
+            </a:r>
+            <a:r>
+              <a:rPr lang="en-US" altLang="zh-CN" sz="1200" kern="1200" dirty="0" smtClean="0">
+                <a:solidFill>
+                  <a:schemeClr val="tx1"/>
+                </a:solidFill>
+                <a:latin typeface="+mn-lt"/>
+                <a:ea typeface="+mn-ea"/>
+                <a:cs typeface="+mn-cs"/>
+              </a:rPr>
+              <a:t>Y</a:t>
+            </a:r>
+            <a:r>
+              <a:rPr lang="zh-CN" altLang="en-US" sz="1200" kern="1200" dirty="0" smtClean="0">
+                <a:solidFill>
+                  <a:schemeClr val="tx1"/>
+                </a:solidFill>
+                <a:latin typeface="+mn-lt"/>
+                <a:ea typeface="+mn-ea"/>
+                <a:cs typeface="+mn-cs"/>
+              </a:rPr>
+              <a:t>中的图片</a:t>
+            </a:r>
+            <a:r>
+              <a:rPr lang="en-US" altLang="zh-CN" sz="1200" kern="1200" dirty="0" smtClean="0">
+                <a:solidFill>
+                  <a:schemeClr val="tx1"/>
+                </a:solidFill>
+                <a:latin typeface="+mn-lt"/>
+                <a:ea typeface="+mn-ea"/>
+                <a:cs typeface="+mn-cs"/>
+              </a:rPr>
+              <a:t>F(x)</a:t>
+            </a:r>
+            <a:r>
+              <a:rPr lang="zh-CN" altLang="en-US" sz="1200" kern="1200" dirty="0" smtClean="0">
+                <a:solidFill>
+                  <a:schemeClr val="tx1"/>
+                </a:solidFill>
+                <a:latin typeface="+mn-lt"/>
+                <a:ea typeface="+mn-ea"/>
+                <a:cs typeface="+mn-cs"/>
+              </a:rPr>
+              <a:t>。</a:t>
+            </a:r>
+            <a:endParaRPr lang="en-US" altLang="zh-CN" sz="1200" kern="1200" dirty="0" smtClean="0">
+              <a:solidFill>
+                <a:schemeClr val="tx1"/>
+              </a:solidFill>
+              <a:latin typeface="+mn-lt"/>
+              <a:ea typeface="+mn-ea"/>
+              <a:cs typeface="+mn-cs"/>
+            </a:endParaRPr>
+          </a:p>
+          <a:p>
+            <a:r>
+              <a:rPr lang="en-US" altLang="zh-CN" sz="1200" kern="1200" dirty="0" smtClean="0">
+                <a:solidFill>
+                  <a:schemeClr val="tx1"/>
+                </a:solidFill>
+                <a:latin typeface="+mn-lt"/>
+                <a:ea typeface="+mn-ea"/>
+                <a:cs typeface="+mn-cs"/>
+              </a:rPr>
+              <a:t>2</a:t>
+            </a:r>
+            <a:r>
+              <a:rPr lang="zh-CN" altLang="en-US" sz="1200" kern="1200" dirty="0" smtClean="0">
+                <a:solidFill>
+                  <a:schemeClr val="tx1"/>
+                </a:solidFill>
+                <a:latin typeface="+mn-lt"/>
+                <a:ea typeface="+mn-ea"/>
+                <a:cs typeface="+mn-cs"/>
+              </a:rPr>
+              <a:t>）但单纯的使用这一个损失是无法进行训练的。原因在于，映射</a:t>
+            </a:r>
+            <a:r>
+              <a:rPr lang="en-US" altLang="zh-CN" sz="1200" kern="1200" dirty="0" smtClean="0">
+                <a:solidFill>
+                  <a:schemeClr val="tx1"/>
+                </a:solidFill>
+                <a:latin typeface="+mn-lt"/>
+                <a:ea typeface="+mn-ea"/>
+                <a:cs typeface="+mn-cs"/>
+              </a:rPr>
+              <a:t>F</a:t>
+            </a:r>
+            <a:r>
+              <a:rPr lang="zh-CN" altLang="en-US" sz="1200" kern="1200" dirty="0" smtClean="0">
+                <a:solidFill>
+                  <a:schemeClr val="tx1"/>
+                </a:solidFill>
+                <a:latin typeface="+mn-lt"/>
+                <a:ea typeface="+mn-ea"/>
+                <a:cs typeface="+mn-cs"/>
+              </a:rPr>
+              <a:t>完全可以将所有</a:t>
+            </a:r>
+            <a:r>
+              <a:rPr lang="en-US" altLang="zh-CN" sz="1200" kern="1200" dirty="0" smtClean="0">
+                <a:solidFill>
+                  <a:schemeClr val="tx1"/>
+                </a:solidFill>
+                <a:latin typeface="+mn-lt"/>
+                <a:ea typeface="+mn-ea"/>
+                <a:cs typeface="+mn-cs"/>
+              </a:rPr>
+              <a:t>x</a:t>
+            </a:r>
+            <a:r>
+              <a:rPr lang="zh-CN" altLang="en-US" sz="1200" kern="1200" dirty="0" smtClean="0">
+                <a:solidFill>
+                  <a:schemeClr val="tx1"/>
+                </a:solidFill>
+                <a:latin typeface="+mn-lt"/>
+                <a:ea typeface="+mn-ea"/>
+                <a:cs typeface="+mn-cs"/>
+              </a:rPr>
+              <a:t>都映射为</a:t>
+            </a:r>
+            <a:r>
+              <a:rPr lang="en-US" altLang="zh-CN" sz="1200" kern="1200" dirty="0" smtClean="0">
+                <a:solidFill>
+                  <a:schemeClr val="tx1"/>
+                </a:solidFill>
+                <a:latin typeface="+mn-lt"/>
+                <a:ea typeface="+mn-ea"/>
+                <a:cs typeface="+mn-cs"/>
+              </a:rPr>
+              <a:t>Y</a:t>
+            </a:r>
+            <a:r>
+              <a:rPr lang="zh-CN" altLang="en-US" sz="1200" kern="1200" dirty="0" smtClean="0">
+                <a:solidFill>
+                  <a:schemeClr val="tx1"/>
+                </a:solidFill>
+                <a:latin typeface="+mn-lt"/>
+                <a:ea typeface="+mn-ea"/>
+                <a:cs typeface="+mn-cs"/>
+              </a:rPr>
+              <a:t>空间中的同一张图片，使损失无效化。我们再假设一个映射</a:t>
+            </a:r>
+            <a:r>
+              <a:rPr lang="en-US" altLang="zh-CN" sz="1200" kern="1200" dirty="0" smtClean="0">
+                <a:solidFill>
+                  <a:schemeClr val="tx1"/>
+                </a:solidFill>
+                <a:latin typeface="+mn-lt"/>
+                <a:ea typeface="+mn-ea"/>
+                <a:cs typeface="+mn-cs"/>
+              </a:rPr>
+              <a:t>G</a:t>
+            </a:r>
+            <a:r>
+              <a:rPr lang="zh-CN" altLang="en-US" sz="1200" kern="1200" dirty="0" smtClean="0">
+                <a:solidFill>
+                  <a:schemeClr val="tx1"/>
+                </a:solidFill>
+                <a:latin typeface="+mn-lt"/>
+                <a:ea typeface="+mn-ea"/>
+                <a:cs typeface="+mn-cs"/>
+              </a:rPr>
+              <a:t>，它可以将</a:t>
+            </a:r>
+            <a:r>
+              <a:rPr lang="en-US" altLang="zh-CN" sz="1200" kern="1200" dirty="0" smtClean="0">
+                <a:solidFill>
+                  <a:schemeClr val="tx1"/>
+                </a:solidFill>
+                <a:latin typeface="+mn-lt"/>
+                <a:ea typeface="+mn-ea"/>
+                <a:cs typeface="+mn-cs"/>
+              </a:rPr>
+              <a:t>Y</a:t>
+            </a:r>
+            <a:r>
+              <a:rPr lang="zh-CN" altLang="en-US" sz="1200" kern="1200" dirty="0" smtClean="0">
+                <a:solidFill>
+                  <a:schemeClr val="tx1"/>
+                </a:solidFill>
+                <a:latin typeface="+mn-lt"/>
+                <a:ea typeface="+mn-ea"/>
+                <a:cs typeface="+mn-cs"/>
+              </a:rPr>
+              <a:t>空间中的图片</a:t>
+            </a:r>
+            <a:r>
+              <a:rPr lang="en-US" altLang="zh-CN" sz="1200" kern="1200" dirty="0" smtClean="0">
+                <a:solidFill>
+                  <a:schemeClr val="tx1"/>
+                </a:solidFill>
+                <a:latin typeface="+mn-lt"/>
+                <a:ea typeface="+mn-ea"/>
+                <a:cs typeface="+mn-cs"/>
+              </a:rPr>
+              <a:t>y</a:t>
+            </a:r>
+            <a:r>
+              <a:rPr lang="zh-CN" altLang="en-US" sz="1200" kern="1200" dirty="0" smtClean="0">
+                <a:solidFill>
+                  <a:schemeClr val="tx1"/>
+                </a:solidFill>
+                <a:latin typeface="+mn-lt"/>
+                <a:ea typeface="+mn-ea"/>
+                <a:cs typeface="+mn-cs"/>
+              </a:rPr>
+              <a:t>转换为</a:t>
+            </a:r>
+            <a:r>
+              <a:rPr lang="en-US" altLang="zh-CN" sz="1200" kern="1200" dirty="0" smtClean="0">
+                <a:solidFill>
+                  <a:schemeClr val="tx1"/>
+                </a:solidFill>
+                <a:latin typeface="+mn-lt"/>
+                <a:ea typeface="+mn-ea"/>
+                <a:cs typeface="+mn-cs"/>
+              </a:rPr>
+              <a:t>X</a:t>
+            </a:r>
+            <a:r>
+              <a:rPr lang="zh-CN" altLang="en-US" sz="1200" kern="1200" dirty="0" smtClean="0">
+                <a:solidFill>
+                  <a:schemeClr val="tx1"/>
+                </a:solidFill>
+                <a:latin typeface="+mn-lt"/>
+                <a:ea typeface="+mn-ea"/>
+                <a:cs typeface="+mn-cs"/>
+              </a:rPr>
+              <a:t>中的图片</a:t>
+            </a:r>
+            <a:r>
+              <a:rPr lang="en-US" altLang="zh-CN" sz="1200" kern="1200" dirty="0" smtClean="0">
+                <a:solidFill>
+                  <a:schemeClr val="tx1"/>
+                </a:solidFill>
+                <a:latin typeface="+mn-lt"/>
+                <a:ea typeface="+mn-ea"/>
+                <a:cs typeface="+mn-cs"/>
+              </a:rPr>
+              <a:t>G(y)</a:t>
+            </a:r>
+            <a:r>
+              <a:rPr lang="zh-CN" altLang="en-US" sz="1200" kern="1200" dirty="0" smtClean="0">
+                <a:solidFill>
+                  <a:schemeClr val="tx1"/>
+                </a:solidFill>
+                <a:latin typeface="+mn-lt"/>
+                <a:ea typeface="+mn-ea"/>
+                <a:cs typeface="+mn-cs"/>
+              </a:rPr>
+              <a:t>。</a:t>
+            </a:r>
+            <a:r>
+              <a:rPr lang="en-US" altLang="zh-CN" sz="1200" kern="1200" dirty="0" err="1" smtClean="0">
+                <a:solidFill>
+                  <a:schemeClr val="tx1"/>
+                </a:solidFill>
+                <a:latin typeface="+mn-lt"/>
+                <a:ea typeface="+mn-ea"/>
+                <a:cs typeface="+mn-cs"/>
+              </a:rPr>
+              <a:t>CycleGAN</a:t>
+            </a:r>
+            <a:r>
+              <a:rPr lang="zh-CN" altLang="en-US" sz="1200" kern="1200" dirty="0" smtClean="0">
+                <a:solidFill>
+                  <a:schemeClr val="tx1"/>
+                </a:solidFill>
+                <a:latin typeface="+mn-lt"/>
+                <a:ea typeface="+mn-ea"/>
+                <a:cs typeface="+mn-cs"/>
+              </a:rPr>
+              <a:t>同时学习</a:t>
+            </a:r>
+            <a:r>
+              <a:rPr lang="en-US" altLang="zh-CN" sz="1200" kern="1200" dirty="0" smtClean="0">
+                <a:solidFill>
+                  <a:schemeClr val="tx1"/>
+                </a:solidFill>
+                <a:latin typeface="+mn-lt"/>
+                <a:ea typeface="+mn-ea"/>
+                <a:cs typeface="+mn-cs"/>
+              </a:rPr>
+              <a:t>F</a:t>
+            </a:r>
+            <a:r>
+              <a:rPr lang="zh-CN" altLang="en-US" sz="1200" kern="1200" dirty="0" smtClean="0">
+                <a:solidFill>
+                  <a:schemeClr val="tx1"/>
+                </a:solidFill>
+                <a:latin typeface="+mn-lt"/>
+                <a:ea typeface="+mn-ea"/>
+                <a:cs typeface="+mn-cs"/>
+              </a:rPr>
+              <a:t>和</a:t>
+            </a:r>
+            <a:r>
+              <a:rPr lang="en-US" altLang="zh-CN" sz="1200" kern="1200" dirty="0" smtClean="0">
+                <a:solidFill>
+                  <a:schemeClr val="tx1"/>
+                </a:solidFill>
+                <a:latin typeface="+mn-lt"/>
+                <a:ea typeface="+mn-ea"/>
+                <a:cs typeface="+mn-cs"/>
+              </a:rPr>
+              <a:t>G</a:t>
+            </a:r>
+            <a:r>
+              <a:rPr lang="zh-CN" altLang="en-US" sz="1200" kern="1200" dirty="0" smtClean="0">
+                <a:solidFill>
+                  <a:schemeClr val="tx1"/>
+                </a:solidFill>
+                <a:latin typeface="+mn-lt"/>
+                <a:ea typeface="+mn-ea"/>
+                <a:cs typeface="+mn-cs"/>
+              </a:rPr>
+              <a:t>两个映射，并要求  ，以及  。也就是说，将</a:t>
+            </a:r>
+            <a:r>
+              <a:rPr lang="en-US" altLang="zh-CN" sz="1200" kern="1200" dirty="0" smtClean="0">
+                <a:solidFill>
+                  <a:schemeClr val="tx1"/>
+                </a:solidFill>
+                <a:latin typeface="+mn-lt"/>
+                <a:ea typeface="+mn-ea"/>
+                <a:cs typeface="+mn-cs"/>
+              </a:rPr>
+              <a:t>X</a:t>
+            </a:r>
+            <a:r>
+              <a:rPr lang="zh-CN" altLang="en-US" sz="1200" kern="1200" dirty="0" smtClean="0">
+                <a:solidFill>
+                  <a:schemeClr val="tx1"/>
+                </a:solidFill>
+                <a:latin typeface="+mn-lt"/>
+                <a:ea typeface="+mn-ea"/>
+                <a:cs typeface="+mn-cs"/>
+              </a:rPr>
+              <a:t>的图片转换到</a:t>
+            </a:r>
+            <a:r>
+              <a:rPr lang="en-US" altLang="zh-CN" sz="1200" kern="1200" dirty="0" smtClean="0">
+                <a:solidFill>
+                  <a:schemeClr val="tx1"/>
+                </a:solidFill>
+                <a:latin typeface="+mn-lt"/>
+                <a:ea typeface="+mn-ea"/>
+                <a:cs typeface="+mn-cs"/>
+              </a:rPr>
+              <a:t>Y</a:t>
+            </a:r>
+            <a:r>
+              <a:rPr lang="zh-CN" altLang="en-US" sz="1200" kern="1200" dirty="0" smtClean="0">
+                <a:solidFill>
+                  <a:schemeClr val="tx1"/>
+                </a:solidFill>
+                <a:latin typeface="+mn-lt"/>
+                <a:ea typeface="+mn-ea"/>
+                <a:cs typeface="+mn-cs"/>
+              </a:rPr>
+              <a:t>空间后，应该还可以转换回来。这样就杜绝模型把所有</a:t>
+            </a:r>
+            <a:r>
+              <a:rPr lang="en-US" altLang="zh-CN" sz="1200" kern="1200" dirty="0" smtClean="0">
+                <a:solidFill>
+                  <a:schemeClr val="tx1"/>
+                </a:solidFill>
+                <a:latin typeface="+mn-lt"/>
+                <a:ea typeface="+mn-ea"/>
+                <a:cs typeface="+mn-cs"/>
+              </a:rPr>
+              <a:t>X</a:t>
+            </a:r>
+            <a:r>
+              <a:rPr lang="zh-CN" altLang="en-US" sz="1200" kern="1200" dirty="0" smtClean="0">
+                <a:solidFill>
+                  <a:schemeClr val="tx1"/>
+                </a:solidFill>
+                <a:latin typeface="+mn-lt"/>
+                <a:ea typeface="+mn-ea"/>
+                <a:cs typeface="+mn-cs"/>
+              </a:rPr>
+              <a:t>的图片都转换为</a:t>
+            </a:r>
+            <a:r>
+              <a:rPr lang="en-US" altLang="zh-CN" sz="1200" kern="1200" dirty="0" smtClean="0">
+                <a:solidFill>
+                  <a:schemeClr val="tx1"/>
+                </a:solidFill>
+                <a:latin typeface="+mn-lt"/>
+                <a:ea typeface="+mn-ea"/>
+                <a:cs typeface="+mn-cs"/>
+              </a:rPr>
+              <a:t>Y</a:t>
+            </a:r>
+            <a:r>
+              <a:rPr lang="zh-CN" altLang="en-US" sz="1200" kern="1200" dirty="0" smtClean="0">
+                <a:solidFill>
+                  <a:schemeClr val="tx1"/>
+                </a:solidFill>
+                <a:latin typeface="+mn-lt"/>
+                <a:ea typeface="+mn-ea"/>
+                <a:cs typeface="+mn-cs"/>
+              </a:rPr>
+              <a:t>空间中的同一张图片了。</a:t>
+            </a:r>
+            <a:endParaRPr lang="zh-CN" altLang="en-US" dirty="0"/>
+          </a:p>
+        </p:txBody>
+      </p:sp>
+      <p:sp>
+        <p:nvSpPr>
+          <p:cNvPr id="4" name="灯片编号占位符 3"/>
+          <p:cNvSpPr>
+            <a:spLocks noGrp="1"/>
+          </p:cNvSpPr>
+          <p:nvPr>
+            <p:ph type="sldNum" sz="quarter" idx="10"/>
+          </p:nvPr>
+        </p:nvSpPr>
+        <p:spPr/>
+        <p:txBody>
+          <a:bodyPr/>
+          <a:lstStyle/>
+          <a:p>
+            <a:fld id="{7375F277-34A6-40F7-9E42-CD2B7E9B2EB3}" type="slidenum">
+              <a:rPr lang="zh-CN" altLang="en-US" smtClean="0"/>
+              <a:t>6</a:t>
+            </a:fld>
+            <a:endParaRPr lang="zh-CN" altLang="en-US"/>
+          </a:p>
+        </p:txBody>
+      </p:sp>
+    </p:spTree>
+  </p:cSld>
+  <p:clrMapOvr>
+    <a:masterClrMapping/>
+  </p:clrMapOvr>
+</p:notes>
+</file>
+
 <file path=ppt/slideLayouts/slideLayout1.xml><?xml version="1.0" encoding="utf-8"?>
 <p:sldLayout xmlns:a="http://schemas.openxmlformats.org/drawingml/2006/main" xmlns:r="http://schemas.openxmlformats.org/officeDocument/2006/relationships" xmlns:p="http://schemas.openxmlformats.org/presentationml/2006/main" type="blank" preserve="1">
   <p:cSld name="Blank Slide">
@@ -181,8 +1193,7 @@
           <a:bodyPr lIns="0" tIns="0" rIns="0" bIns="0" anchor="ctr"/>
           <a:lstStyle/>
           <a:p>
-            <a:pPr algn="ctr"/>
-            <a:endParaRPr lang="en-US" sz="4400" b="0" strike="noStrike" spc="-1">
+            <a:endParaRPr lang="zh-CN" sz="1800" b="0" strike="noStrike" spc="-1">
               <a:solidFill>
                 <a:srgbClr val="000000"/>
               </a:solidFill>
@@ -219,7 +1230,7 @@
           <a:bodyPr lIns="0" tIns="0" rIns="0" bIns="0"/>
           <a:lstStyle/>
           <a:p>
-            <a:endParaRPr lang="en-US" sz="3200" b="0" strike="noStrike" spc="-1">
+            <a:endParaRPr lang="zh-CN" sz="1800" b="0" strike="noStrike" spc="-1">
               <a:solidFill>
                 <a:srgbClr val="000000"/>
               </a:solidFill>
@@ -256,7 +1267,7 @@
           <a:bodyPr lIns="0" tIns="0" rIns="0" bIns="0"/>
           <a:lstStyle/>
           <a:p>
-            <a:endParaRPr lang="en-US" sz="3200" b="0" strike="noStrike" spc="-1">
+            <a:endParaRPr lang="zh-CN" sz="1800" b="0" strike="noStrike" spc="-1">
               <a:solidFill>
                 <a:srgbClr val="000000"/>
               </a:solidFill>
@@ -318,8 +1329,7 @@
           <a:bodyPr lIns="0" tIns="0" rIns="0" bIns="0" anchor="ctr"/>
           <a:lstStyle/>
           <a:p>
-            <a:pPr algn="ctr"/>
-            <a:endParaRPr lang="en-US" sz="4400" b="0" strike="noStrike" spc="-1">
+            <a:endParaRPr lang="zh-CN" sz="1800" b="0" strike="noStrike" spc="-1">
               <a:solidFill>
                 <a:srgbClr val="000000"/>
               </a:solidFill>
@@ -356,7 +1366,7 @@
           <a:bodyPr lIns="0" tIns="0" rIns="0" bIns="0"/>
           <a:lstStyle/>
           <a:p>
-            <a:endParaRPr lang="en-US" sz="3200" b="0" strike="noStrike" spc="-1">
+            <a:endParaRPr lang="zh-CN" sz="1800" b="0" strike="noStrike" spc="-1">
               <a:solidFill>
                 <a:srgbClr val="000000"/>
               </a:solidFill>
@@ -393,7 +1403,7 @@
           <a:bodyPr lIns="0" tIns="0" rIns="0" bIns="0"/>
           <a:lstStyle/>
           <a:p>
-            <a:endParaRPr lang="en-US" sz="3200" b="0" strike="noStrike" spc="-1">
+            <a:endParaRPr lang="zh-CN" sz="1800" b="0" strike="noStrike" spc="-1">
               <a:solidFill>
                 <a:srgbClr val="000000"/>
               </a:solidFill>
@@ -430,7 +1440,7 @@
           <a:bodyPr lIns="0" tIns="0" rIns="0" bIns="0"/>
           <a:lstStyle/>
           <a:p>
-            <a:endParaRPr lang="en-US" sz="3200" b="0" strike="noStrike" spc="-1">
+            <a:endParaRPr lang="zh-CN" sz="1800" b="0" strike="noStrike" spc="-1">
               <a:solidFill>
                 <a:srgbClr val="000000"/>
               </a:solidFill>
@@ -467,7 +1477,7 @@
           <a:bodyPr lIns="0" tIns="0" rIns="0" bIns="0"/>
           <a:lstStyle/>
           <a:p>
-            <a:endParaRPr lang="en-US" sz="3200" b="0" strike="noStrike" spc="-1">
+            <a:endParaRPr lang="zh-CN" sz="1800" b="0" strike="noStrike" spc="-1">
               <a:solidFill>
                 <a:srgbClr val="000000"/>
               </a:solidFill>
@@ -529,8 +1539,7 @@
           <a:bodyPr lIns="0" tIns="0" rIns="0" bIns="0" anchor="ctr"/>
           <a:lstStyle/>
           <a:p>
-            <a:pPr algn="ctr"/>
-            <a:endParaRPr lang="en-US" sz="4400" b="0" strike="noStrike" spc="-1">
+            <a:endParaRPr lang="zh-CN" sz="1800" b="0" strike="noStrike" spc="-1">
               <a:solidFill>
                 <a:srgbClr val="000000"/>
               </a:solidFill>
@@ -567,7 +1576,7 @@
           <a:bodyPr lIns="0" tIns="0" rIns="0" bIns="0"/>
           <a:lstStyle/>
           <a:p>
-            <a:endParaRPr lang="en-US" sz="3200" b="0" strike="noStrike" spc="-1">
+            <a:endParaRPr lang="zh-CN" sz="1800" b="0" strike="noStrike" spc="-1">
               <a:solidFill>
                 <a:srgbClr val="000000"/>
               </a:solidFill>
@@ -604,7 +1613,7 @@
           <a:bodyPr lIns="0" tIns="0" rIns="0" bIns="0"/>
           <a:lstStyle/>
           <a:p>
-            <a:endParaRPr lang="en-US" sz="3200" b="0" strike="noStrike" spc="-1">
+            <a:endParaRPr lang="zh-CN" sz="1800" b="0" strike="noStrike" spc="-1">
               <a:solidFill>
                 <a:srgbClr val="000000"/>
               </a:solidFill>
@@ -737,8 +1746,7 @@
           <a:bodyPr lIns="0" tIns="0" rIns="0" bIns="0" anchor="ctr"/>
           <a:lstStyle/>
           <a:p>
-            <a:pPr algn="ctr"/>
-            <a:endParaRPr lang="en-US" sz="4400" b="0" strike="noStrike" spc="-1">
+            <a:endParaRPr lang="zh-CN" sz="1800" b="0" strike="noStrike" spc="-1">
               <a:solidFill>
                 <a:srgbClr val="000000"/>
               </a:solidFill>
@@ -838,8 +1846,7 @@
           <a:bodyPr lIns="0" tIns="0" rIns="0" bIns="0" anchor="ctr"/>
           <a:lstStyle/>
           <a:p>
-            <a:pPr algn="ctr"/>
-            <a:endParaRPr lang="en-US" sz="4400" b="0" strike="noStrike" spc="-1">
+            <a:endParaRPr lang="zh-CN" sz="1800" b="0" strike="noStrike" spc="-1">
               <a:solidFill>
                 <a:srgbClr val="000000"/>
               </a:solidFill>
@@ -876,7 +1883,7 @@
           <a:bodyPr lIns="0" tIns="0" rIns="0" bIns="0"/>
           <a:lstStyle/>
           <a:p>
-            <a:endParaRPr lang="en-US" sz="3200" b="0" strike="noStrike" spc="-1">
+            <a:endParaRPr lang="zh-CN" sz="1800" b="0" strike="noStrike" spc="-1">
               <a:solidFill>
                 <a:srgbClr val="000000"/>
               </a:solidFill>
@@ -938,8 +1945,7 @@
           <a:bodyPr lIns="0" tIns="0" rIns="0" bIns="0" anchor="ctr"/>
           <a:lstStyle/>
           <a:p>
-            <a:pPr algn="ctr"/>
-            <a:endParaRPr lang="en-US" sz="4400" b="0" strike="noStrike" spc="-1">
+            <a:endParaRPr lang="zh-CN" sz="1800" b="0" strike="noStrike" spc="-1">
               <a:solidFill>
                 <a:srgbClr val="000000"/>
               </a:solidFill>
@@ -976,7 +1982,7 @@
           <a:bodyPr lIns="0" tIns="0" rIns="0" bIns="0"/>
           <a:lstStyle/>
           <a:p>
-            <a:endParaRPr lang="en-US" sz="3200" b="0" strike="noStrike" spc="-1">
+            <a:endParaRPr lang="zh-CN" sz="1800" b="0" strike="noStrike" spc="-1">
               <a:solidFill>
                 <a:srgbClr val="000000"/>
               </a:solidFill>
@@ -1013,7 +2019,7 @@
           <a:bodyPr lIns="0" tIns="0" rIns="0" bIns="0"/>
           <a:lstStyle/>
           <a:p>
-            <a:endParaRPr lang="en-US" sz="3200" b="0" strike="noStrike" spc="-1">
+            <a:endParaRPr lang="zh-CN" sz="1800" b="0" strike="noStrike" spc="-1">
               <a:solidFill>
                 <a:srgbClr val="000000"/>
               </a:solidFill>
@@ -1075,8 +2081,7 @@
           <a:bodyPr lIns="0" tIns="0" rIns="0" bIns="0" anchor="ctr"/>
           <a:lstStyle/>
           <a:p>
-            <a:pPr algn="ctr"/>
-            <a:endParaRPr lang="en-US" sz="4400" b="0" strike="noStrike" spc="-1">
+            <a:endParaRPr lang="zh-CN" sz="1800" b="0" strike="noStrike" spc="-1">
               <a:solidFill>
                 <a:srgbClr val="000000"/>
               </a:solidFill>
@@ -1201,8 +2206,7 @@
           <a:bodyPr lIns="0" tIns="0" rIns="0" bIns="0" anchor="ctr"/>
           <a:lstStyle/>
           <a:p>
-            <a:pPr algn="ctr"/>
-            <a:endParaRPr lang="en-US" sz="4400" b="0" strike="noStrike" spc="-1">
+            <a:endParaRPr lang="zh-CN" sz="1800" b="0" strike="noStrike" spc="-1">
               <a:solidFill>
                 <a:srgbClr val="000000"/>
               </a:solidFill>
@@ -1239,7 +2243,7 @@
           <a:bodyPr lIns="0" tIns="0" rIns="0" bIns="0"/>
           <a:lstStyle/>
           <a:p>
-            <a:endParaRPr lang="en-US" sz="3200" b="0" strike="noStrike" spc="-1">
+            <a:endParaRPr lang="zh-CN" sz="1800" b="0" strike="noStrike" spc="-1">
               <a:solidFill>
                 <a:srgbClr val="000000"/>
               </a:solidFill>
@@ -1276,7 +2280,7 @@
           <a:bodyPr lIns="0" tIns="0" rIns="0" bIns="0"/>
           <a:lstStyle/>
           <a:p>
-            <a:endParaRPr lang="en-US" sz="3200" b="0" strike="noStrike" spc="-1">
+            <a:endParaRPr lang="zh-CN" sz="1800" b="0" strike="noStrike" spc="-1">
               <a:solidFill>
                 <a:srgbClr val="000000"/>
               </a:solidFill>
@@ -1313,7 +2317,7 @@
           <a:bodyPr lIns="0" tIns="0" rIns="0" bIns="0"/>
           <a:lstStyle/>
           <a:p>
-            <a:endParaRPr lang="en-US" sz="3200" b="0" strike="noStrike" spc="-1">
+            <a:endParaRPr lang="zh-CN" sz="1800" b="0" strike="noStrike" spc="-1">
               <a:solidFill>
                 <a:srgbClr val="000000"/>
               </a:solidFill>
@@ -1375,8 +2379,7 @@
           <a:bodyPr lIns="0" tIns="0" rIns="0" bIns="0" anchor="ctr"/>
           <a:lstStyle/>
           <a:p>
-            <a:pPr algn="ctr"/>
-            <a:endParaRPr lang="en-US" sz="4400" b="0" strike="noStrike" spc="-1">
+            <a:endParaRPr lang="zh-CN" sz="1800" b="0" strike="noStrike" spc="-1">
               <a:solidFill>
                 <a:srgbClr val="000000"/>
               </a:solidFill>
@@ -1476,8 +2479,7 @@
           <a:bodyPr lIns="0" tIns="0" rIns="0" bIns="0" anchor="ctr"/>
           <a:lstStyle/>
           <a:p>
-            <a:pPr algn="ctr"/>
-            <a:endParaRPr lang="en-US" sz="4400" b="0" strike="noStrike" spc="-1">
+            <a:endParaRPr lang="zh-CN" sz="1800" b="0" strike="noStrike" spc="-1">
               <a:solidFill>
                 <a:srgbClr val="000000"/>
               </a:solidFill>
@@ -1514,7 +2516,7 @@
           <a:bodyPr lIns="0" tIns="0" rIns="0" bIns="0"/>
           <a:lstStyle/>
           <a:p>
-            <a:endParaRPr lang="en-US" sz="3200" b="0" strike="noStrike" spc="-1">
+            <a:endParaRPr lang="zh-CN" sz="1800" b="0" strike="noStrike" spc="-1">
               <a:solidFill>
                 <a:srgbClr val="000000"/>
               </a:solidFill>
@@ -1551,7 +2553,7 @@
           <a:bodyPr lIns="0" tIns="0" rIns="0" bIns="0"/>
           <a:lstStyle/>
           <a:p>
-            <a:endParaRPr lang="en-US" sz="3200" b="0" strike="noStrike" spc="-1">
+            <a:endParaRPr lang="zh-CN" sz="1800" b="0" strike="noStrike" spc="-1">
               <a:solidFill>
                 <a:srgbClr val="000000"/>
               </a:solidFill>
@@ -1588,7 +2590,7 @@
           <a:bodyPr lIns="0" tIns="0" rIns="0" bIns="0"/>
           <a:lstStyle/>
           <a:p>
-            <a:endParaRPr lang="en-US" sz="3200" b="0" strike="noStrike" spc="-1">
+            <a:endParaRPr lang="zh-CN" sz="1800" b="0" strike="noStrike" spc="-1">
               <a:solidFill>
                 <a:srgbClr val="000000"/>
               </a:solidFill>
@@ -1650,8 +2652,7 @@
           <a:bodyPr lIns="0" tIns="0" rIns="0" bIns="0" anchor="ctr"/>
           <a:lstStyle/>
           <a:p>
-            <a:pPr algn="ctr"/>
-            <a:endParaRPr lang="en-US" sz="4400" b="0" strike="noStrike" spc="-1">
+            <a:endParaRPr lang="zh-CN" sz="1800" b="0" strike="noStrike" spc="-1">
               <a:solidFill>
                 <a:srgbClr val="000000"/>
               </a:solidFill>
@@ -1688,7 +2689,7 @@
           <a:bodyPr lIns="0" tIns="0" rIns="0" bIns="0"/>
           <a:lstStyle/>
           <a:p>
-            <a:endParaRPr lang="en-US" sz="3200" b="0" strike="noStrike" spc="-1">
+            <a:endParaRPr lang="zh-CN" sz="1800" b="0" strike="noStrike" spc="-1">
               <a:solidFill>
                 <a:srgbClr val="000000"/>
               </a:solidFill>
@@ -1725,7 +2726,7 @@
           <a:bodyPr lIns="0" tIns="0" rIns="0" bIns="0"/>
           <a:lstStyle/>
           <a:p>
-            <a:endParaRPr lang="en-US" sz="3200" b="0" strike="noStrike" spc="-1">
+            <a:endParaRPr lang="zh-CN" sz="1800" b="0" strike="noStrike" spc="-1">
               <a:solidFill>
                 <a:srgbClr val="000000"/>
               </a:solidFill>
@@ -1762,7 +2763,7 @@
           <a:bodyPr lIns="0" tIns="0" rIns="0" bIns="0"/>
           <a:lstStyle/>
           <a:p>
-            <a:endParaRPr lang="en-US" sz="3200" b="0" strike="noStrike" spc="-1">
+            <a:endParaRPr lang="zh-CN" sz="1800" b="0" strike="noStrike" spc="-1">
               <a:solidFill>
                 <a:srgbClr val="000000"/>
               </a:solidFill>
@@ -1824,8 +2825,7 @@
           <a:bodyPr lIns="0" tIns="0" rIns="0" bIns="0" anchor="ctr"/>
           <a:lstStyle/>
           <a:p>
-            <a:pPr algn="ctr"/>
-            <a:endParaRPr lang="en-US" sz="4400" b="0" strike="noStrike" spc="-1">
+            <a:endParaRPr lang="zh-CN" sz="1800" b="0" strike="noStrike" spc="-1">
               <a:solidFill>
                 <a:srgbClr val="000000"/>
               </a:solidFill>
@@ -1862,7 +2862,7 @@
           <a:bodyPr lIns="0" tIns="0" rIns="0" bIns="0"/>
           <a:lstStyle/>
           <a:p>
-            <a:endParaRPr lang="en-US" sz="3200" b="0" strike="noStrike" spc="-1">
+            <a:endParaRPr lang="zh-CN" sz="1800" b="0" strike="noStrike" spc="-1">
               <a:solidFill>
                 <a:srgbClr val="000000"/>
               </a:solidFill>
@@ -1899,7 +2899,7 @@
           <a:bodyPr lIns="0" tIns="0" rIns="0" bIns="0"/>
           <a:lstStyle/>
           <a:p>
-            <a:endParaRPr lang="en-US" sz="3200" b="0" strike="noStrike" spc="-1">
+            <a:endParaRPr lang="zh-CN" sz="1800" b="0" strike="noStrike" spc="-1">
               <a:solidFill>
                 <a:srgbClr val="000000"/>
               </a:solidFill>
@@ -1961,8 +2961,7 @@
           <a:bodyPr lIns="0" tIns="0" rIns="0" bIns="0" anchor="ctr"/>
           <a:lstStyle/>
           <a:p>
-            <a:pPr algn="ctr"/>
-            <a:endParaRPr lang="en-US" sz="4400" b="0" strike="noStrike" spc="-1">
+            <a:endParaRPr lang="zh-CN" sz="1800" b="0" strike="noStrike" spc="-1">
               <a:solidFill>
                 <a:srgbClr val="000000"/>
               </a:solidFill>
@@ -1999,7 +2998,7 @@
           <a:bodyPr lIns="0" tIns="0" rIns="0" bIns="0"/>
           <a:lstStyle/>
           <a:p>
-            <a:endParaRPr lang="en-US" sz="3200" b="0" strike="noStrike" spc="-1">
+            <a:endParaRPr lang="zh-CN" sz="1800" b="0" strike="noStrike" spc="-1">
               <a:solidFill>
                 <a:srgbClr val="000000"/>
               </a:solidFill>
@@ -2036,7 +3035,7 @@
           <a:bodyPr lIns="0" tIns="0" rIns="0" bIns="0"/>
           <a:lstStyle/>
           <a:p>
-            <a:endParaRPr lang="en-US" sz="3200" b="0" strike="noStrike" spc="-1">
+            <a:endParaRPr lang="zh-CN" sz="1800" b="0" strike="noStrike" spc="-1">
               <a:solidFill>
                 <a:srgbClr val="000000"/>
               </a:solidFill>
@@ -2073,7 +3072,7 @@
           <a:bodyPr lIns="0" tIns="0" rIns="0" bIns="0"/>
           <a:lstStyle/>
           <a:p>
-            <a:endParaRPr lang="en-US" sz="3200" b="0" strike="noStrike" spc="-1">
+            <a:endParaRPr lang="zh-CN" sz="1800" b="0" strike="noStrike" spc="-1">
               <a:solidFill>
                 <a:srgbClr val="000000"/>
               </a:solidFill>
@@ -2110,7 +3109,7 @@
           <a:bodyPr lIns="0" tIns="0" rIns="0" bIns="0"/>
           <a:lstStyle/>
           <a:p>
-            <a:endParaRPr lang="en-US" sz="3200" b="0" strike="noStrike" spc="-1">
+            <a:endParaRPr lang="zh-CN" sz="1800" b="0" strike="noStrike" spc="-1">
               <a:solidFill>
                 <a:srgbClr val="000000"/>
               </a:solidFill>
@@ -2172,8 +3171,7 @@
           <a:bodyPr lIns="0" tIns="0" rIns="0" bIns="0" anchor="ctr"/>
           <a:lstStyle/>
           <a:p>
-            <a:pPr algn="ctr"/>
-            <a:endParaRPr lang="en-US" sz="4400" b="0" strike="noStrike" spc="-1">
+            <a:endParaRPr lang="zh-CN" sz="1800" b="0" strike="noStrike" spc="-1">
               <a:solidFill>
                 <a:srgbClr val="000000"/>
               </a:solidFill>
@@ -2210,7 +3208,7 @@
           <a:bodyPr lIns="0" tIns="0" rIns="0" bIns="0"/>
           <a:lstStyle/>
           <a:p>
-            <a:endParaRPr lang="en-US" sz="3200" b="0" strike="noStrike" spc="-1">
+            <a:endParaRPr lang="zh-CN" sz="1800" b="0" strike="noStrike" spc="-1">
               <a:solidFill>
                 <a:srgbClr val="000000"/>
               </a:solidFill>
@@ -2247,7 +3245,7 @@
           <a:bodyPr lIns="0" tIns="0" rIns="0" bIns="0"/>
           <a:lstStyle/>
           <a:p>
-            <a:endParaRPr lang="en-US" sz="3200" b="0" strike="noStrike" spc="-1">
+            <a:endParaRPr lang="zh-CN" sz="1800" b="0" strike="noStrike" spc="-1">
               <a:solidFill>
                 <a:srgbClr val="000000"/>
               </a:solidFill>
@@ -2355,8 +3353,7 @@
           <a:bodyPr lIns="0" tIns="0" rIns="0" bIns="0" anchor="ctr"/>
           <a:lstStyle/>
           <a:p>
-            <a:pPr algn="ctr"/>
-            <a:endParaRPr lang="en-US" sz="4400" b="0" strike="noStrike" spc="-1">
+            <a:endParaRPr lang="zh-CN" sz="1800" b="0" strike="noStrike" spc="-1">
               <a:solidFill>
                 <a:srgbClr val="000000"/>
               </a:solidFill>
@@ -2393,7 +3390,7 @@
           <a:bodyPr lIns="0" tIns="0" rIns="0" bIns="0"/>
           <a:lstStyle/>
           <a:p>
-            <a:endParaRPr lang="en-US" sz="3200" b="0" strike="noStrike" spc="-1">
+            <a:endParaRPr lang="zh-CN" sz="1800" b="0" strike="noStrike" spc="-1">
               <a:solidFill>
                 <a:srgbClr val="000000"/>
               </a:solidFill>
@@ -2455,8 +3452,7 @@
           <a:bodyPr lIns="0" tIns="0" rIns="0" bIns="0" anchor="ctr"/>
           <a:lstStyle/>
           <a:p>
-            <a:pPr algn="ctr"/>
-            <a:endParaRPr lang="en-US" sz="4400" b="0" strike="noStrike" spc="-1">
+            <a:endParaRPr lang="zh-CN" sz="1800" b="0" strike="noStrike" spc="-1">
               <a:solidFill>
                 <a:srgbClr val="000000"/>
               </a:solidFill>
@@ -2493,7 +3489,7 @@
           <a:bodyPr lIns="0" tIns="0" rIns="0" bIns="0"/>
           <a:lstStyle/>
           <a:p>
-            <a:endParaRPr lang="en-US" sz="3200" b="0" strike="noStrike" spc="-1">
+            <a:endParaRPr lang="zh-CN" sz="1800" b="0" strike="noStrike" spc="-1">
               <a:solidFill>
                 <a:srgbClr val="000000"/>
               </a:solidFill>
@@ -2530,7 +3526,7 @@
           <a:bodyPr lIns="0" tIns="0" rIns="0" bIns="0"/>
           <a:lstStyle/>
           <a:p>
-            <a:endParaRPr lang="en-US" sz="3200" b="0" strike="noStrike" spc="-1">
+            <a:endParaRPr lang="zh-CN" sz="1800" b="0" strike="noStrike" spc="-1">
               <a:solidFill>
                 <a:srgbClr val="000000"/>
               </a:solidFill>
@@ -2592,8 +3588,7 @@
           <a:bodyPr lIns="0" tIns="0" rIns="0" bIns="0" anchor="ctr"/>
           <a:lstStyle/>
           <a:p>
-            <a:pPr algn="ctr"/>
-            <a:endParaRPr lang="en-US" sz="4400" b="0" strike="noStrike" spc="-1">
+            <a:endParaRPr lang="zh-CN" sz="1800" b="0" strike="noStrike" spc="-1">
               <a:solidFill>
                 <a:srgbClr val="000000"/>
               </a:solidFill>
@@ -2718,8 +3713,7 @@
           <a:bodyPr lIns="0" tIns="0" rIns="0" bIns="0" anchor="ctr"/>
           <a:lstStyle/>
           <a:p>
-            <a:pPr algn="ctr"/>
-            <a:endParaRPr lang="en-US" sz="4400" b="0" strike="noStrike" spc="-1">
+            <a:endParaRPr lang="zh-CN" sz="1800" b="0" strike="noStrike" spc="-1">
               <a:solidFill>
                 <a:srgbClr val="000000"/>
               </a:solidFill>
@@ -2756,7 +3750,7 @@
           <a:bodyPr lIns="0" tIns="0" rIns="0" bIns="0"/>
           <a:lstStyle/>
           <a:p>
-            <a:endParaRPr lang="en-US" sz="3200" b="0" strike="noStrike" spc="-1">
+            <a:endParaRPr lang="zh-CN" sz="1800" b="0" strike="noStrike" spc="-1">
               <a:solidFill>
                 <a:srgbClr val="000000"/>
               </a:solidFill>
@@ -2793,7 +3787,7 @@
           <a:bodyPr lIns="0" tIns="0" rIns="0" bIns="0"/>
           <a:lstStyle/>
           <a:p>
-            <a:endParaRPr lang="en-US" sz="3200" b="0" strike="noStrike" spc="-1">
+            <a:endParaRPr lang="zh-CN" sz="1800" b="0" strike="noStrike" spc="-1">
               <a:solidFill>
                 <a:srgbClr val="000000"/>
               </a:solidFill>
@@ -2830,7 +3824,7 @@
           <a:bodyPr lIns="0" tIns="0" rIns="0" bIns="0"/>
           <a:lstStyle/>
           <a:p>
-            <a:endParaRPr lang="en-US" sz="3200" b="0" strike="noStrike" spc="-1">
+            <a:endParaRPr lang="zh-CN" sz="1800" b="0" strike="noStrike" spc="-1">
               <a:solidFill>
                 <a:srgbClr val="000000"/>
               </a:solidFill>
@@ -2892,8 +3886,7 @@
           <a:bodyPr lIns="0" tIns="0" rIns="0" bIns="0" anchor="ctr"/>
           <a:lstStyle/>
           <a:p>
-            <a:pPr algn="ctr"/>
-            <a:endParaRPr lang="en-US" sz="4400" b="0" strike="noStrike" spc="-1">
+            <a:endParaRPr lang="zh-CN" sz="1800" b="0" strike="noStrike" spc="-1">
               <a:solidFill>
                 <a:srgbClr val="000000"/>
               </a:solidFill>
@@ -2930,7 +3923,7 @@
           <a:bodyPr lIns="0" tIns="0" rIns="0" bIns="0"/>
           <a:lstStyle/>
           <a:p>
-            <a:endParaRPr lang="en-US" sz="3200" b="0" strike="noStrike" spc="-1">
+            <a:endParaRPr lang="zh-CN" sz="1800" b="0" strike="noStrike" spc="-1">
               <a:solidFill>
                 <a:srgbClr val="000000"/>
               </a:solidFill>
@@ -2967,7 +3960,7 @@
           <a:bodyPr lIns="0" tIns="0" rIns="0" bIns="0"/>
           <a:lstStyle/>
           <a:p>
-            <a:endParaRPr lang="en-US" sz="3200" b="0" strike="noStrike" spc="-1">
+            <a:endParaRPr lang="zh-CN" sz="1800" b="0" strike="noStrike" spc="-1">
               <a:solidFill>
                 <a:srgbClr val="000000"/>
               </a:solidFill>
@@ -3004,7 +3997,7 @@
           <a:bodyPr lIns="0" tIns="0" rIns="0" bIns="0"/>
           <a:lstStyle/>
           <a:p>
-            <a:endParaRPr lang="en-US" sz="3200" b="0" strike="noStrike" spc="-1">
+            <a:endParaRPr lang="zh-CN" sz="1800" b="0" strike="noStrike" spc="-1">
               <a:solidFill>
                 <a:srgbClr val="000000"/>
               </a:solidFill>
@@ -3066,8 +4059,7 @@
           <a:bodyPr lIns="0" tIns="0" rIns="0" bIns="0" anchor="ctr"/>
           <a:lstStyle/>
           <a:p>
-            <a:pPr algn="ctr"/>
-            <a:endParaRPr lang="en-US" sz="4400" b="0" strike="noStrike" spc="-1">
+            <a:endParaRPr lang="zh-CN" sz="1800" b="0" strike="noStrike" spc="-1">
               <a:solidFill>
                 <a:srgbClr val="000000"/>
               </a:solidFill>
@@ -3104,7 +4096,7 @@
           <a:bodyPr lIns="0" tIns="0" rIns="0" bIns="0"/>
           <a:lstStyle/>
           <a:p>
-            <a:endParaRPr lang="en-US" sz="3200" b="0" strike="noStrike" spc="-1">
+            <a:endParaRPr lang="zh-CN" sz="1800" b="0" strike="noStrike" spc="-1">
               <a:solidFill>
                 <a:srgbClr val="000000"/>
               </a:solidFill>
@@ -3141,7 +4133,7 @@
           <a:bodyPr lIns="0" tIns="0" rIns="0" bIns="0"/>
           <a:lstStyle/>
           <a:p>
-            <a:endParaRPr lang="en-US" sz="3200" b="0" strike="noStrike" spc="-1">
+            <a:endParaRPr lang="zh-CN" sz="1800" b="0" strike="noStrike" spc="-1">
               <a:solidFill>
                 <a:srgbClr val="000000"/>
               </a:solidFill>
@@ -3178,7 +4170,7 @@
           <a:bodyPr lIns="0" tIns="0" rIns="0" bIns="0"/>
           <a:lstStyle/>
           <a:p>
-            <a:endParaRPr lang="en-US" sz="3200" b="0" strike="noStrike" spc="-1">
+            <a:endParaRPr lang="zh-CN" sz="1800" b="0" strike="noStrike" spc="-1">
               <a:solidFill>
                 <a:srgbClr val="000000"/>
               </a:solidFill>
@@ -3237,8 +4229,8 @@
         </p:nvSpPr>
         <p:spPr>
           <a:xfrm>
-            <a:off x="838080" y="365040"/>
-            <a:ext cx="10514880" cy="1324800"/>
+            <a:off x="609480" y="273600"/>
+            <a:ext cx="10972080" cy="1144440"/>
           </a:xfrm>
           <a:prstGeom prst="rect">
             <a:avLst/>
@@ -3248,8 +4240,7 @@
           <a:bodyPr lIns="0" tIns="0" rIns="0" bIns="0" anchor="ctr"/>
           <a:lstStyle/>
           <a:p>
-            <a:pPr algn="ctr"/>
-            <a:endParaRPr lang="en-US" sz="4400" b="0" strike="noStrike" spc="-1">
+            <a:endParaRPr lang="zh-CN" sz="1800" b="0" strike="noStrike" spc="-1">
               <a:solidFill>
                 <a:srgbClr val="000000"/>
               </a:solidFill>
@@ -3276,7 +4267,7 @@
         <p:spPr>
           <a:xfrm>
             <a:off x="609480" y="1604520"/>
-            <a:ext cx="10972440" cy="3977280"/>
+            <a:ext cx="10972080" cy="3976920"/>
           </a:xfrm>
           <a:prstGeom prst="rect">
             <a:avLst/>
@@ -3295,7 +4286,7 @@
               <a:buChar char=""/>
             </a:pPr>
             <a:r>
-              <a:rPr lang="en-US" sz="3200" b="0" strike="noStrike" spc="-1">
+              <a:rPr lang="zh-CN" sz="1800" b="0" strike="noStrike" spc="-1">
                 <a:solidFill>
                   <a:srgbClr val="000000"/>
                 </a:solidFill>
@@ -3319,7 +4310,7 @@
               <a:buChar char=""/>
             </a:pPr>
             <a:r>
-              <a:rPr lang="en-US" sz="2800" b="0" strike="noStrike" spc="-1">
+              <a:rPr lang="zh-CN" sz="1800" b="0" strike="noStrike" spc="-1">
                 <a:solidFill>
                   <a:srgbClr val="000000"/>
                 </a:solidFill>
@@ -3343,7 +4334,7 @@
               <a:buChar char=""/>
             </a:pPr>
             <a:r>
-              <a:rPr lang="en-US" sz="2400" b="0" strike="noStrike" spc="-1">
+              <a:rPr lang="zh-CN" sz="1800" b="0" strike="noStrike" spc="-1">
                 <a:solidFill>
                   <a:srgbClr val="000000"/>
                 </a:solidFill>
@@ -3367,7 +4358,7 @@
               <a:buChar char=""/>
             </a:pPr>
             <a:r>
-              <a:rPr lang="en-US" sz="2000" b="0" strike="noStrike" spc="-1">
+              <a:rPr lang="zh-CN" sz="1800" b="0" strike="noStrike" spc="-1">
                 <a:solidFill>
                   <a:srgbClr val="000000"/>
                 </a:solidFill>
@@ -3391,7 +4382,7 @@
               <a:buChar char=""/>
             </a:pPr>
             <a:r>
-              <a:rPr lang="en-US" sz="2000" b="0" strike="noStrike" spc="-1">
+              <a:rPr lang="zh-CN" sz="1800" b="0" strike="noStrike" spc="-1">
                 <a:solidFill>
                   <a:srgbClr val="000000"/>
                 </a:solidFill>
@@ -3415,7 +4406,7 @@
               <a:buChar char=""/>
             </a:pPr>
             <a:r>
-              <a:rPr lang="en-US" sz="2000" b="0" strike="noStrike" spc="-1">
+              <a:rPr lang="zh-CN" sz="1800" b="0" strike="noStrike" spc="-1">
                 <a:solidFill>
                   <a:srgbClr val="000000"/>
                 </a:solidFill>
@@ -3439,7 +4430,7 @@
               <a:buChar char=""/>
             </a:pPr>
             <a:r>
-              <a:rPr lang="en-US" sz="2000" b="0" strike="noStrike" spc="-1">
+              <a:rPr lang="zh-CN" sz="1800" b="0" strike="noStrike" spc="-1">
                 <a:solidFill>
                   <a:srgbClr val="000000"/>
                 </a:solidFill>
@@ -3528,9 +4519,8 @@
           <a:bodyPr lIns="0" tIns="0" rIns="0" bIns="0" anchor="ctr"/>
           <a:lstStyle/>
           <a:p>
-            <a:pPr algn="ctr"/>
-            <a:r>
-              <a:rPr lang="en-US" sz="4400" b="0" strike="noStrike" spc="-1">
+            <a:r>
+              <a:rPr lang="zh-CN" sz="1800" b="0" strike="noStrike" spc="-1">
                 <a:solidFill>
                   <a:srgbClr val="000000"/>
                 </a:solidFill>
@@ -3578,7 +4568,7 @@
               <a:buChar char=""/>
             </a:pPr>
             <a:r>
-              <a:rPr lang="en-US" sz="3200" b="0" strike="noStrike" spc="-1">
+              <a:rPr lang="zh-CN" sz="1800" b="0" strike="noStrike" spc="-1">
                 <a:solidFill>
                   <a:srgbClr val="000000"/>
                 </a:solidFill>
@@ -3602,7 +4592,7 @@
               <a:buChar char=""/>
             </a:pPr>
             <a:r>
-              <a:rPr lang="en-US" sz="2800" b="0" strike="noStrike" spc="-1">
+              <a:rPr lang="zh-CN" sz="1800" b="0" strike="noStrike" spc="-1">
                 <a:solidFill>
                   <a:srgbClr val="000000"/>
                 </a:solidFill>
@@ -3626,7 +4616,7 @@
               <a:buChar char=""/>
             </a:pPr>
             <a:r>
-              <a:rPr lang="en-US" sz="2400" b="0" strike="noStrike" spc="-1">
+              <a:rPr lang="zh-CN" sz="1800" b="0" strike="noStrike" spc="-1">
                 <a:solidFill>
                   <a:srgbClr val="000000"/>
                 </a:solidFill>
@@ -3650,7 +4640,7 @@
               <a:buChar char=""/>
             </a:pPr>
             <a:r>
-              <a:rPr lang="en-US" sz="2000" b="0" strike="noStrike" spc="-1">
+              <a:rPr lang="zh-CN" sz="1800" b="0" strike="noStrike" spc="-1">
                 <a:solidFill>
                   <a:srgbClr val="000000"/>
                 </a:solidFill>
@@ -3674,7 +4664,7 @@
               <a:buChar char=""/>
             </a:pPr>
             <a:r>
-              <a:rPr lang="en-US" sz="2000" b="0" strike="noStrike" spc="-1">
+              <a:rPr lang="zh-CN" sz="2000" b="0" strike="noStrike" spc="-1">
                 <a:solidFill>
                   <a:srgbClr val="000000"/>
                 </a:solidFill>
@@ -3698,7 +4688,7 @@
               <a:buChar char=""/>
             </a:pPr>
             <a:r>
-              <a:rPr lang="en-US" sz="2000" b="0" strike="noStrike" spc="-1">
+              <a:rPr lang="zh-CN" sz="2000" b="0" strike="noStrike" spc="-1">
                 <a:solidFill>
                   <a:srgbClr val="000000"/>
                 </a:solidFill>
@@ -3722,7 +4712,7 @@
               <a:buChar char=""/>
             </a:pPr>
             <a:r>
-              <a:rPr lang="en-US" sz="2000" b="0" strike="noStrike" spc="-1">
+              <a:rPr lang="zh-CN" sz="2000" b="0" strike="noStrike" spc="-1">
                 <a:solidFill>
                   <a:srgbClr val="000000"/>
                 </a:solidFill>
@@ -3788,8 +4778,8 @@
         </p:nvSpPr>
         <p:spPr>
           <a:xfrm>
-            <a:off x="1487488" y="1412776"/>
-            <a:ext cx="9143280" cy="2386800"/>
+            <a:off x="1487520" y="754528"/>
+            <a:ext cx="9142920" cy="2386440"/>
           </a:xfrm>
           <a:prstGeom prst="rect">
             <a:avLst/>
@@ -3815,35 +4805,46 @@
           <a:bodyPr lIns="90000" tIns="45000" rIns="90000" bIns="45000" anchor="b"/>
           <a:lstStyle/>
           <a:p>
-            <a:pPr algn="ctr"/>
-            <a:r>
-              <a:rPr lang="en-US" altLang="zh-CN" sz="2800" dirty="0"/>
-              <a:t>Semantically Tied Paired Cycle Consistency </a:t>
-            </a:r>
-            <a:r>
-              <a:rPr lang="en-US" altLang="zh-CN" sz="2800" dirty="0" smtClean="0"/>
-              <a:t>for </a:t>
-            </a:r>
-            <a:r>
-              <a:rPr lang="en-US" altLang="zh-CN" sz="2800" dirty="0"/>
-              <a:t>Zero-Shot Sketch-based Image Retrieval</a:t>
-            </a:r>
-            <a:endParaRPr lang="en-US" sz="2800" b="0" strike="noStrike" spc="-1" dirty="0">
-              <a:solidFill>
-                <a:srgbClr val="000000"/>
-              </a:solidFill>
-              <a:uFill>
-                <a:solidFill>
-                  <a:srgbClr val="FFFFFF"/>
-                </a:solidFill>
-              </a:uFill>
-              <a:latin typeface="Arial"/>
-            </a:endParaRPr>
-          </a:p>
-          <a:p>
-            <a:pPr algn="ctr"/>
-            <a:r>
-              <a:rPr lang="en-US" sz="3100" b="0" strike="noStrike" spc="-1" dirty="0">
+            <a:pPr algn="ctr">
+              <a:lnSpc>
+                <a:spcPct val="100000"/>
+              </a:lnSpc>
+            </a:pPr>
+            <a:r>
+              <a:rPr lang="en-US" sz="2800" b="0" strike="noStrike" spc="-1">
+                <a:solidFill>
+                  <a:srgbClr val="000000"/>
+                </a:solidFill>
+                <a:uFill>
+                  <a:solidFill>
+                    <a:srgbClr val="FFFFFF"/>
+                  </a:solidFill>
+                </a:uFill>
+                <a:latin typeface="Arial"/>
+                <a:ea typeface="DejaVu Sans"/>
+              </a:rPr>
+              <a:t>Semantically Tied Paired Cycle Consistency for Zero-Shot Sketch-based Image Retrieval</a:t>
+            </a:r>
+            <a:endParaRPr lang="en-US" sz="1800" b="0" strike="noStrike" spc="-1">
+              <a:solidFill>
+                <a:srgbClr val="000000"/>
+              </a:solidFill>
+              <a:uFill>
+                <a:solidFill>
+                  <a:srgbClr val="FFFFFF"/>
+                </a:solidFill>
+              </a:uFill>
+              <a:latin typeface="Arial"/>
+            </a:endParaRPr>
+          </a:p>
+          <a:p>
+            <a:pPr algn="ctr">
+              <a:lnSpc>
+                <a:spcPct val="100000"/>
+              </a:lnSpc>
+            </a:pPr>
+            <a:r>
+              <a:rPr lang="en-US" sz="3100" b="0" strike="noStrike" spc="-1">
                 <a:solidFill>
                   <a:srgbClr val="000000"/>
                 </a:solidFill>
@@ -3853,52 +4854,11 @@
                   </a:solidFill>
                 </a:uFill>
                 <a:latin typeface="Calibri Light"/>
-              </a:rPr>
-              <a:t>（</a:t>
-            </a:r>
-            <a:r>
-              <a:rPr lang="en-US" sz="3100" b="0" strike="noStrike" spc="-1" dirty="0" smtClean="0">
-                <a:solidFill>
-                  <a:srgbClr val="000000"/>
-                </a:solidFill>
-                <a:uFill>
-                  <a:solidFill>
-                    <a:srgbClr val="FFFFFF"/>
-                  </a:solidFill>
-                </a:uFill>
-                <a:latin typeface="Calibri Light"/>
-              </a:rPr>
-              <a:t>PS：</a:t>
-            </a:r>
-            <a:r>
-              <a:rPr lang="zh-CN" altLang="en-US" sz="3100" b="0" strike="noStrike" spc="-1" dirty="0" smtClean="0">
-                <a:solidFill>
-                  <a:srgbClr val="000000"/>
-                </a:solidFill>
-                <a:uFill>
-                  <a:solidFill>
-                    <a:srgbClr val="FFFFFF"/>
-                  </a:solidFill>
-                </a:uFill>
-                <a:latin typeface="Calibri Light"/>
-              </a:rPr>
-              <a:t>基于草图的图像检索</a:t>
-            </a:r>
-            <a:r>
-              <a:rPr lang="en-US" sz="3100" b="0" strike="noStrike" spc="-1" dirty="0" smtClean="0">
-                <a:solidFill>
-                  <a:srgbClr val="000000"/>
-                </a:solidFill>
-                <a:uFill>
-                  <a:solidFill>
-                    <a:srgbClr val="FFFFFF"/>
-                  </a:solidFill>
-                </a:uFill>
-                <a:latin typeface="Calibri Light"/>
-              </a:rPr>
-              <a:t>）</a:t>
-            </a:r>
-            <a:endParaRPr lang="en-US" sz="1800" b="0" strike="noStrike" spc="-1" dirty="0">
+                <a:ea typeface="DejaVu Sans"/>
+              </a:rPr>
+              <a:t>（PS：基于草图的图像检索）</a:t>
+            </a:r>
+            <a:endParaRPr lang="en-US" sz="1800" b="0" strike="noStrike" spc="-1">
               <a:solidFill>
                 <a:srgbClr val="000000"/>
               </a:solidFill>
@@ -3916,7 +4876,7 @@
                 <a:spcPct val="100000"/>
               </a:lnSpc>
             </a:pPr>
-            <a:endParaRPr lang="en-US" sz="1800" b="0" strike="noStrike" spc="-1" dirty="0">
+            <a:endParaRPr lang="en-US" sz="1800" b="0" strike="noStrike" spc="-1">
               <a:solidFill>
                 <a:srgbClr val="000000"/>
               </a:solidFill>
@@ -3938,8 +4898,8 @@
         </p:nvSpPr>
         <p:spPr>
           <a:xfrm>
-            <a:off x="1487488" y="3645024"/>
-            <a:ext cx="9143280" cy="1654920"/>
+            <a:off x="1487520" y="3068960"/>
+            <a:ext cx="9142920" cy="792088"/>
           </a:xfrm>
           <a:prstGeom prst="rect">
             <a:avLst/>
@@ -3981,6 +4941,7 @@
                   </a:solidFill>
                 </a:uFill>
                 <a:latin typeface="Calibri"/>
+                <a:ea typeface="DejaVu Sans"/>
               </a:rPr>
               <a:t>作者</a:t>
             </a:r>
@@ -3995,6 +4956,7 @@
                   </a:solidFill>
                 </a:uFill>
                 <a:latin typeface="Calibri"/>
+                <a:ea typeface="DejaVu Sans"/>
               </a:rPr>
               <a:t>：</a:t>
             </a:r>
@@ -4014,14 +4976,37 @@
       </p:sp>
       <p:pic>
         <p:nvPicPr>
-          <p:cNvPr id="1026" name="Picture 2"/>
+          <p:cNvPr id="74" name="Picture 2"/>
+          <p:cNvPicPr/>
+          <p:nvPr/>
+        </p:nvPicPr>
+        <p:blipFill>
+          <a:blip r:embed="rId2" cstate="print"/>
+          <a:stretch/>
+        </p:blipFill>
+        <p:spPr>
+          <a:xfrm>
+            <a:off x="1897784" y="3573016"/>
+            <a:ext cx="8374680" cy="1656000"/>
+          </a:xfrm>
+          <a:prstGeom prst="rect">
+            <a:avLst/>
+          </a:prstGeom>
+          <a:ln w="9360">
+            <a:noFill/>
+          </a:ln>
+        </p:spPr>
+      </p:pic>
+      <p:pic>
+        <p:nvPicPr>
+          <p:cNvPr id="3074" name="Picture 2"/>
           <p:cNvPicPr>
             <a:picLocks noChangeAspect="1" noChangeArrowheads="1"/>
           </p:cNvPicPr>
           <p:nvPr/>
         </p:nvPicPr>
         <p:blipFill>
-          <a:blip r:embed="rId2" cstate="print"/>
+          <a:blip r:embed="rId3" cstate="print"/>
           <a:srcRect/>
           <a:stretch>
             <a:fillRect/>
@@ -4029,8 +5014,8 @@
         </p:blipFill>
         <p:spPr bwMode="auto">
           <a:xfrm>
-            <a:off x="1703512" y="4077072"/>
-            <a:ext cx="8375174" cy="1656184"/>
+            <a:off x="47328" y="3429000"/>
+            <a:ext cx="2088232" cy="2033892"/>
           </a:xfrm>
           <a:prstGeom prst="rect">
             <a:avLst/>
@@ -4041,6 +5026,326 @@
             <a:miter lim="800000"/>
             <a:headEnd/>
             <a:tailEnd/>
+          </a:ln>
+        </p:spPr>
+      </p:pic>
+      <p:pic>
+        <p:nvPicPr>
+          <p:cNvPr id="3075" name="Picture 3"/>
+          <p:cNvPicPr>
+            <a:picLocks noChangeAspect="1" noChangeArrowheads="1"/>
+          </p:cNvPicPr>
+          <p:nvPr/>
+        </p:nvPicPr>
+        <p:blipFill>
+          <a:blip r:embed="rId4" cstate="print"/>
+          <a:srcRect/>
+          <a:stretch>
+            <a:fillRect/>
+          </a:stretch>
+        </p:blipFill>
+        <p:spPr bwMode="auto">
+          <a:xfrm>
+            <a:off x="9984432" y="3429000"/>
+            <a:ext cx="2016224" cy="2016224"/>
+          </a:xfrm>
+          <a:prstGeom prst="rect">
+            <a:avLst/>
+          </a:prstGeom>
+          <a:noFill/>
+          <a:ln w="9525">
+            <a:noFill/>
+            <a:miter lim="800000"/>
+            <a:headEnd/>
+            <a:tailEnd/>
+          </a:ln>
+        </p:spPr>
+      </p:pic>
+    </p:spTree>
+  </p:cSld>
+  <p:clrMapOvr>
+    <a:masterClrMapping/>
+  </p:clrMapOvr>
+  <p:timing>
+    <p:tnLst>
+      <p:par>
+        <p:cTn id="1" dur="indefinite" restart="never" nodeType="tmRoot">
+          <p:childTnLst>
+            <p:seq>
+              <p:cTn id="2" nodeType="mainSeq"/>
+              <p:prevCondLst>
+                <p:cond evt="onPrev" delay="0">
+                  <p:tgtEl>
+                    <p:sldTgt/>
+                  </p:tgtEl>
+                </p:cond>
+              </p:prevCondLst>
+              <p:nextCondLst>
+                <p:cond evt="onNext" delay="0">
+                  <p:tgtEl>
+                    <p:sldTgt/>
+                  </p:tgtEl>
+                </p:cond>
+              </p:nextCondLst>
+            </p:seq>
+          </p:childTnLst>
+        </p:cTn>
+      </p:par>
+    </p:tnLst>
+  </p:timing>
+</p:sld>
+</file>
+
+<file path=ppt/slides/slide10.xml><?xml version="1.0" encoding="utf-8"?>
+<p:sld xmlns:a="http://schemas.openxmlformats.org/drawingml/2006/main" xmlns:r="http://schemas.openxmlformats.org/officeDocument/2006/relationships" xmlns:p="http://schemas.openxmlformats.org/presentationml/2006/main">
+  <p:cSld>
+    <p:spTree>
+      <p:nvGrpSpPr>
+        <p:cNvPr id="1" name=""/>
+        <p:cNvGrpSpPr/>
+        <p:nvPr/>
+      </p:nvGrpSpPr>
+      <p:grpSpPr>
+        <a:xfrm>
+          <a:off x="0" y="0"/>
+          <a:ext cx="0" cy="0"/>
+          <a:chOff x="0" y="0"/>
+          <a:chExt cx="0" cy="0"/>
+        </a:xfrm>
+      </p:grpSpPr>
+      <p:sp>
+        <p:nvSpPr>
+          <p:cNvPr id="92" name="CustomShape 1"/>
+          <p:cNvSpPr/>
+          <p:nvPr/>
+        </p:nvSpPr>
+        <p:spPr>
+          <a:xfrm>
+            <a:off x="888480" y="417960"/>
+            <a:ext cx="9670320" cy="411120"/>
+          </a:xfrm>
+          <a:prstGeom prst="rect">
+            <a:avLst/>
+          </a:prstGeom>
+          <a:noFill/>
+          <a:ln>
+            <a:noFill/>
+          </a:ln>
+        </p:spPr>
+        <p:style>
+          <a:lnRef idx="0">
+            <a:scrgbClr r="0" g="0" b="0"/>
+          </a:lnRef>
+          <a:fillRef idx="0">
+            <a:scrgbClr r="0" g="0" b="0"/>
+          </a:fillRef>
+          <a:effectRef idx="0">
+            <a:scrgbClr r="0" g="0" b="0"/>
+          </a:effectRef>
+          <a:fontRef idx="minor"/>
+        </p:style>
+        <p:txBody>
+          <a:bodyPr lIns="90000" tIns="45000" rIns="90000" bIns="45000" anchor="ctr"/>
+          <a:lstStyle/>
+          <a:p>
+            <a:pPr>
+              <a:lnSpc>
+                <a:spcPct val="90000"/>
+              </a:lnSpc>
+            </a:pPr>
+            <a:r>
+              <a:rPr lang="en-US" sz="3200" b="1" strike="noStrike" spc="-1">
+                <a:solidFill>
+                  <a:srgbClr val="000000"/>
+                </a:solidFill>
+                <a:uFill>
+                  <a:solidFill>
+                    <a:srgbClr val="FFFFFF"/>
+                  </a:solidFill>
+                </a:uFill>
+                <a:latin typeface="Calibri Light"/>
+                <a:ea typeface="DejaVu Sans"/>
+              </a:rPr>
+              <a:t>更多直观的对比</a:t>
+            </a:r>
+            <a:endParaRPr lang="en-US" sz="1800" b="0" strike="noStrike" spc="-1">
+              <a:solidFill>
+                <a:srgbClr val="000000"/>
+              </a:solidFill>
+              <a:uFill>
+                <a:solidFill>
+                  <a:srgbClr val="FFFFFF"/>
+                </a:solidFill>
+              </a:uFill>
+              <a:latin typeface="Arial"/>
+            </a:endParaRPr>
+          </a:p>
+        </p:txBody>
+      </p:sp>
+      <p:pic>
+        <p:nvPicPr>
+          <p:cNvPr id="93" name="Picture 3"/>
+          <p:cNvPicPr/>
+          <p:nvPr/>
+        </p:nvPicPr>
+        <p:blipFill>
+          <a:blip r:embed="rId2" cstate="print"/>
+          <a:stretch/>
+        </p:blipFill>
+        <p:spPr>
+          <a:xfrm>
+            <a:off x="1559520" y="1340640"/>
+            <a:ext cx="8699760" cy="5112360"/>
+          </a:xfrm>
+          <a:prstGeom prst="rect">
+            <a:avLst/>
+          </a:prstGeom>
+          <a:ln w="9360">
+            <a:noFill/>
+          </a:ln>
+        </p:spPr>
+      </p:pic>
+    </p:spTree>
+  </p:cSld>
+  <p:clrMapOvr>
+    <a:masterClrMapping/>
+  </p:clrMapOvr>
+  <p:timing>
+    <p:tnLst>
+      <p:par>
+        <p:cTn id="1" dur="indefinite" restart="never" nodeType="tmRoot">
+          <p:childTnLst>
+            <p:seq>
+              <p:cTn id="2" nodeType="mainSeq"/>
+              <p:prevCondLst>
+                <p:cond evt="onPrev" delay="0">
+                  <p:tgtEl>
+                    <p:sldTgt/>
+                  </p:tgtEl>
+                </p:cond>
+              </p:prevCondLst>
+              <p:nextCondLst>
+                <p:cond evt="onNext" delay="0">
+                  <p:tgtEl>
+                    <p:sldTgt/>
+                  </p:tgtEl>
+                </p:cond>
+              </p:nextCondLst>
+            </p:seq>
+          </p:childTnLst>
+        </p:cTn>
+      </p:par>
+    </p:tnLst>
+  </p:timing>
+</p:sld>
+</file>
+
+<file path=ppt/slides/slide11.xml><?xml version="1.0" encoding="utf-8"?>
+<p:sld xmlns:a="http://schemas.openxmlformats.org/drawingml/2006/main" xmlns:r="http://schemas.openxmlformats.org/officeDocument/2006/relationships" xmlns:p="http://schemas.openxmlformats.org/presentationml/2006/main">
+  <p:cSld>
+    <p:spTree>
+      <p:nvGrpSpPr>
+        <p:cNvPr id="1" name=""/>
+        <p:cNvGrpSpPr/>
+        <p:nvPr/>
+      </p:nvGrpSpPr>
+      <p:grpSpPr>
+        <a:xfrm>
+          <a:off x="0" y="0"/>
+          <a:ext cx="0" cy="0"/>
+          <a:chOff x="0" y="0"/>
+          <a:chExt cx="0" cy="0"/>
+        </a:xfrm>
+      </p:grpSpPr>
+      <p:sp>
+        <p:nvSpPr>
+          <p:cNvPr id="94" name="CustomShape 1"/>
+          <p:cNvSpPr/>
+          <p:nvPr/>
+        </p:nvSpPr>
+        <p:spPr>
+          <a:xfrm>
+            <a:off x="888480" y="417960"/>
+            <a:ext cx="9670320" cy="411120"/>
+          </a:xfrm>
+          <a:prstGeom prst="rect">
+            <a:avLst/>
+          </a:prstGeom>
+          <a:noFill/>
+          <a:ln>
+            <a:noFill/>
+          </a:ln>
+        </p:spPr>
+        <p:style>
+          <a:lnRef idx="0">
+            <a:scrgbClr r="0" g="0" b="0"/>
+          </a:lnRef>
+          <a:fillRef idx="0">
+            <a:scrgbClr r="0" g="0" b="0"/>
+          </a:fillRef>
+          <a:effectRef idx="0">
+            <a:scrgbClr r="0" g="0" b="0"/>
+          </a:effectRef>
+          <a:fontRef idx="minor"/>
+        </p:style>
+        <p:txBody>
+          <a:bodyPr lIns="90000" tIns="45000" rIns="90000" bIns="45000" anchor="ctr"/>
+          <a:lstStyle/>
+          <a:p>
+            <a:pPr>
+              <a:lnSpc>
+                <a:spcPct val="90000"/>
+              </a:lnSpc>
+            </a:pPr>
+            <a:r>
+              <a:rPr lang="en-US" sz="3200" b="1" strike="noStrike" spc="-1">
+                <a:solidFill>
+                  <a:srgbClr val="000000"/>
+                </a:solidFill>
+                <a:uFill>
+                  <a:solidFill>
+                    <a:srgbClr val="FFFFFF"/>
+                  </a:solidFill>
+                </a:uFill>
+                <a:latin typeface="Calibri Light"/>
+                <a:ea typeface="DejaVu Sans"/>
+              </a:rPr>
+              <a:t>更多直观的对比</a:t>
+            </a:r>
+            <a:endParaRPr lang="en-US" sz="1800" b="0" strike="noStrike" spc="-1">
+              <a:solidFill>
+                <a:srgbClr val="000000"/>
+              </a:solidFill>
+              <a:uFill>
+                <a:solidFill>
+                  <a:srgbClr val="FFFFFF"/>
+                </a:solidFill>
+              </a:uFill>
+              <a:latin typeface="Arial"/>
+            </a:endParaRPr>
+          </a:p>
+        </p:txBody>
+      </p:sp>
+      <p:pic>
+        <p:nvPicPr>
+          <p:cNvPr id="95" name="Picture 2"/>
+          <p:cNvPicPr/>
+          <p:nvPr/>
+        </p:nvPicPr>
+        <p:blipFill>
+          <a:blip r:embed="rId2" cstate="print"/>
+          <a:stretch/>
+        </p:blipFill>
+        <p:spPr>
+          <a:xfrm>
+            <a:off x="1487520" y="1124640"/>
+            <a:ext cx="9432720" cy="5461920"/>
+          </a:xfrm>
+          <a:prstGeom prst="rect">
+            <a:avLst/>
+          </a:prstGeom>
+          <a:ln w="9360">
+            <a:noFill/>
           </a:ln>
         </p:spPr>
       </p:pic>
@@ -4098,14 +5403,14 @@
       </p:grpSpPr>
       <p:sp>
         <p:nvSpPr>
-          <p:cNvPr id="78" name="CustomShape 1"/>
+          <p:cNvPr id="75" name="CustomShape 1"/>
           <p:cNvSpPr/>
           <p:nvPr/>
         </p:nvSpPr>
         <p:spPr>
           <a:xfrm>
-            <a:off x="911424" y="692696"/>
-            <a:ext cx="10514880" cy="767880"/>
+            <a:off x="911520" y="692640"/>
+            <a:ext cx="10514520" cy="767520"/>
           </a:xfrm>
           <a:prstGeom prst="rect">
             <a:avLst/>
@@ -4137,7 +5442,7 @@
               </a:lnSpc>
             </a:pPr>
             <a:r>
-              <a:rPr lang="zh-CN" altLang="en-US" sz="3200" b="1" spc="-1" dirty="0" smtClean="0">
+              <a:rPr lang="en-US" sz="3200" b="1" strike="noStrike" spc="-1">
                 <a:solidFill>
                   <a:srgbClr val="000000"/>
                 </a:solidFill>
@@ -4147,11 +5452,12 @@
                   </a:solidFill>
                 </a:uFill>
                 <a:latin typeface="Calibri Light"/>
-              </a:rPr>
-              <a:t>文章</a:t>
-            </a:r>
-            <a:r>
-              <a:rPr lang="zh-CN" altLang="en-US" sz="3200" b="1" spc="-1" dirty="0" smtClean="0">
+                <a:ea typeface="DejaVu Sans"/>
+              </a:rPr>
+              <a:t>文章背景-</a:t>
+            </a:r>
+            <a:r>
+              <a:rPr lang="en-US" sz="3200" b="0" strike="noStrike" spc="-1">
                 <a:solidFill>
                   <a:srgbClr val="000000"/>
                 </a:solidFill>
@@ -4160,12 +5466,67 @@
                     <a:srgbClr val="FFFFFF"/>
                   </a:solidFill>
                 </a:uFill>
-                <a:latin typeface="Calibri Light"/>
-              </a:rPr>
-              <a:t>背景</a:t>
-            </a:r>
-            <a:r>
-              <a:rPr lang="en-US" altLang="zh-CN" sz="3200" b="1" spc="-1" dirty="0" smtClean="0">
+                <a:latin typeface="Arial"/>
+                <a:ea typeface="DejaVu Sans"/>
+              </a:rPr>
+              <a:t>手绘识图</a:t>
+            </a:r>
+            <a:endParaRPr lang="en-US" sz="1800" b="0" strike="noStrike" spc="-1">
+              <a:solidFill>
+                <a:srgbClr val="000000"/>
+              </a:solidFill>
+              <a:uFill>
+                <a:solidFill>
+                  <a:srgbClr val="FFFFFF"/>
+                </a:solidFill>
+              </a:uFill>
+              <a:latin typeface="Arial"/>
+            </a:endParaRPr>
+          </a:p>
+        </p:txBody>
+      </p:sp>
+      <p:sp>
+        <p:nvSpPr>
+          <p:cNvPr id="76" name="CustomShape 2"/>
+          <p:cNvSpPr/>
+          <p:nvPr/>
+        </p:nvSpPr>
+        <p:spPr>
+          <a:xfrm>
+            <a:off x="1343520" y="5157360"/>
+            <a:ext cx="9216720" cy="2102400"/>
+          </a:xfrm>
+          <a:prstGeom prst="rect">
+            <a:avLst/>
+          </a:prstGeom>
+          <a:noFill/>
+          <a:ln>
+            <a:noFill/>
+          </a:ln>
+        </p:spPr>
+        <p:style>
+          <a:lnRef idx="0">
+            <a:scrgbClr r="0" g="0" b="0"/>
+          </a:lnRef>
+          <a:fillRef idx="0">
+            <a:scrgbClr r="0" g="0" b="0"/>
+          </a:fillRef>
+          <a:effectRef idx="0">
+            <a:scrgbClr r="0" g="0" b="0"/>
+          </a:effectRef>
+          <a:fontRef idx="minor"/>
+        </p:style>
+        <p:txBody>
+          <a:bodyPr lIns="90000" tIns="45000" rIns="90000" bIns="45000"/>
+          <a:lstStyle/>
+          <a:p>
+            <a:pPr>
+              <a:lnSpc>
+                <a:spcPct val="100000"/>
+              </a:lnSpc>
+            </a:pPr>
+            <a:r>
+              <a:rPr lang="en-US" sz="2400" b="0" strike="noStrike" spc="-1">
                 <a:solidFill>
                   <a:srgbClr val="000000"/>
                 </a:solidFill>
@@ -4174,164 +5535,28 @@
                     <a:srgbClr val="FFFFFF"/>
                   </a:solidFill>
                 </a:uFill>
-                <a:latin typeface="Calibri Light"/>
-              </a:rPr>
-              <a:t>-</a:t>
-            </a:r>
-            <a:r>
-              <a:rPr lang="zh-CN" altLang="en-US" sz="3200" dirty="0" smtClean="0"/>
-              <a:t>手绘识</a:t>
-            </a:r>
-            <a:r>
-              <a:rPr lang="zh-CN" altLang="en-US" sz="3200" dirty="0" smtClean="0"/>
-              <a:t>图</a:t>
-            </a:r>
-            <a:endParaRPr lang="zh-CN" altLang="en-US" sz="3200" dirty="0" smtClean="0"/>
-          </a:p>
-        </p:txBody>
-      </p:sp>
-      <p:sp>
-        <p:nvSpPr>
-          <p:cNvPr id="4" name="TextBox 3"/>
-          <p:cNvSpPr txBox="1"/>
-          <p:nvPr/>
-        </p:nvSpPr>
-        <p:spPr>
-          <a:xfrm>
-            <a:off x="1343472" y="5157192"/>
-            <a:ext cx="9217024" cy="2123658"/>
-          </a:xfrm>
-          <a:prstGeom prst="rect">
-            <a:avLst/>
-          </a:prstGeom>
-          <a:noFill/>
-        </p:spPr>
-        <p:txBody>
-          <a:bodyPr wrap="square" rtlCol="0">
-            <a:spAutoFit/>
-          </a:bodyPr>
-          <a:lstStyle/>
-          <a:p>
-            <a:r>
-              <a:rPr lang="en-US" altLang="zh-CN" sz="2400" dirty="0" smtClean="0">
-                <a:latin typeface="宋体" pitchFamily="2" charset="-122"/>
-                <a:ea typeface="宋体" pitchFamily="2" charset="-122"/>
-              </a:rPr>
-              <a:t>1</a:t>
-            </a:r>
-            <a:r>
-              <a:rPr lang="zh-CN" altLang="en-US" sz="2400" dirty="0" smtClean="0">
-                <a:latin typeface="宋体" pitchFamily="2" charset="-122"/>
-                <a:ea typeface="宋体" pitchFamily="2" charset="-122"/>
-              </a:rPr>
-              <a:t>）在</a:t>
-            </a:r>
-            <a:r>
-              <a:rPr lang="zh-CN" altLang="en-US" sz="2400" dirty="0" smtClean="0">
-                <a:latin typeface="宋体" pitchFamily="2" charset="-122"/>
-                <a:ea typeface="宋体" pitchFamily="2" charset="-122"/>
-              </a:rPr>
-              <a:t>某些情况</a:t>
-            </a:r>
-            <a:r>
-              <a:rPr lang="zh-CN" altLang="en-US" sz="2400" dirty="0" smtClean="0">
-                <a:latin typeface="宋体" pitchFamily="2" charset="-122"/>
-                <a:ea typeface="宋体" pitchFamily="2" charset="-122"/>
-              </a:rPr>
-              <a:t>下</a:t>
-            </a:r>
-            <a:r>
-              <a:rPr lang="zh-CN" altLang="en-US" sz="2400" dirty="0" smtClean="0">
+                <a:latin typeface="宋体"/>
+                <a:ea typeface="宋体"/>
+              </a:rPr>
+              <a:t>1）在某些情况下</a:t>
+            </a:r>
+            <a:r>
+              <a:rPr lang="en-US" sz="2400" b="0" strike="noStrike" spc="-1">
                 <a:solidFill>
                   <a:srgbClr val="FF0000"/>
-                </a:solidFill>
-                <a:latin typeface="宋体" pitchFamily="2" charset="-122"/>
-                <a:ea typeface="宋体" pitchFamily="2" charset="-122"/>
-              </a:rPr>
-              <a:t>用户所需的查询是难以描述的</a:t>
-            </a:r>
-            <a:r>
-              <a:rPr lang="zh-CN" altLang="en-US" sz="2400" dirty="0" smtClean="0">
-                <a:latin typeface="宋体" pitchFamily="2" charset="-122"/>
-                <a:ea typeface="宋体" pitchFamily="2" charset="-122"/>
-              </a:rPr>
-              <a:t>，而</a:t>
-            </a:r>
-            <a:r>
-              <a:rPr lang="zh-CN" altLang="en-US" sz="2400" dirty="0" smtClean="0">
-                <a:solidFill>
-                  <a:srgbClr val="FF0000"/>
-                </a:solidFill>
-                <a:latin typeface="宋体" pitchFamily="2" charset="-122"/>
-                <a:ea typeface="宋体" pitchFamily="2" charset="-122"/>
-              </a:rPr>
-              <a:t>用户可以轻松</a:t>
-            </a:r>
-            <a:r>
-              <a:rPr lang="zh-CN" altLang="en-US" sz="2400" dirty="0" smtClean="0">
-                <a:solidFill>
-                  <a:srgbClr val="FF0000"/>
-                </a:solidFill>
-                <a:latin typeface="宋体" pitchFamily="2" charset="-122"/>
-                <a:ea typeface="宋体" pitchFamily="2" charset="-122"/>
-              </a:rPr>
-              <a:t>绘制触摸</a:t>
-            </a:r>
-            <a:r>
-              <a:rPr lang="zh-CN" altLang="en-US" sz="2400" dirty="0" smtClean="0">
-                <a:solidFill>
-                  <a:srgbClr val="FF0000"/>
-                </a:solidFill>
-                <a:latin typeface="宋体" pitchFamily="2" charset="-122"/>
-                <a:ea typeface="宋体" pitchFamily="2" charset="-122"/>
-              </a:rPr>
-              <a:t>屏上所需的物体</a:t>
-            </a:r>
-            <a:r>
-              <a:rPr lang="zh-CN" altLang="en-US" sz="2400" dirty="0" smtClean="0">
-                <a:latin typeface="宋体" pitchFamily="2" charset="-122"/>
-                <a:ea typeface="宋体" pitchFamily="2" charset="-122"/>
-              </a:rPr>
-              <a:t>。因为</a:t>
-            </a:r>
-            <a:r>
-              <a:rPr lang="zh-CN" altLang="en-US" sz="2400" dirty="0" smtClean="0">
-                <a:latin typeface="宋体" pitchFamily="2" charset="-122"/>
-                <a:ea typeface="宋体" pitchFamily="2" charset="-122"/>
-              </a:rPr>
-              <a:t>草图可以有效</a:t>
-            </a:r>
-            <a:r>
-              <a:rPr lang="zh-CN" altLang="en-US" sz="2400" dirty="0" smtClean="0">
-                <a:latin typeface="宋体" pitchFamily="2" charset="-122"/>
-                <a:ea typeface="宋体" pitchFamily="2" charset="-122"/>
-              </a:rPr>
-              <a:t>地表达形状、姿势和</a:t>
-            </a:r>
-            <a:r>
-              <a:rPr lang="zh-CN" altLang="en-US" sz="2400" dirty="0" smtClean="0">
-                <a:latin typeface="宋体" pitchFamily="2" charset="-122"/>
-                <a:ea typeface="宋体" pitchFamily="2" charset="-122"/>
-              </a:rPr>
-              <a:t>细节。</a:t>
-            </a:r>
-            <a:r>
-              <a:rPr lang="zh-CN" altLang="en-US" sz="2400" spc="-1" dirty="0" smtClean="0">
-                <a:solidFill>
-                  <a:srgbClr val="000000"/>
                 </a:solidFill>
                 <a:uFill>
                   <a:solidFill>
                     <a:srgbClr val="FFFFFF"/>
                   </a:solidFill>
                 </a:uFill>
-                <a:latin typeface="宋体" pitchFamily="2" charset="-122"/>
-                <a:ea typeface="宋体" pitchFamily="2" charset="-122"/>
-              </a:rPr>
-              <a:t>这种任务叫做</a:t>
-            </a:r>
-            <a:r>
-              <a:rPr lang="en-US" altLang="zh-CN" sz="2400" b="1" spc="-1" dirty="0" smtClean="0">
+                <a:latin typeface="宋体"/>
+                <a:ea typeface="宋体"/>
+              </a:rPr>
+              <a:t>用户所需的查询是难以描述的</a:t>
+            </a:r>
+            <a:r>
+              <a:rPr lang="en-US" sz="2400" b="0" strike="noStrike" spc="-1">
                 <a:solidFill>
                   <a:srgbClr val="000000"/>
                 </a:solidFill>
@@ -4340,32 +5565,28 @@
                     <a:srgbClr val="FFFFFF"/>
                   </a:solidFill>
                 </a:uFill>
-                <a:latin typeface="宋体" pitchFamily="2" charset="-122"/>
-                <a:ea typeface="宋体" pitchFamily="2" charset="-122"/>
-              </a:rPr>
-              <a:t>SBIR</a:t>
-            </a:r>
-            <a:r>
-              <a:rPr lang="zh-CN" altLang="en-US" sz="2400" b="1" spc="-1" dirty="0" smtClean="0">
-                <a:solidFill>
-                  <a:srgbClr val="000000"/>
+                <a:latin typeface="宋体"/>
+                <a:ea typeface="宋体"/>
+              </a:rPr>
+              <a:t>，而</a:t>
+            </a:r>
+            <a:r>
+              <a:rPr lang="en-US" sz="2400" b="0" strike="noStrike" spc="-1">
+                <a:solidFill>
+                  <a:srgbClr val="FF0000"/>
                 </a:solidFill>
                 <a:uFill>
                   <a:solidFill>
                     <a:srgbClr val="FFFFFF"/>
                   </a:solidFill>
                 </a:uFill>
-                <a:latin typeface="宋体" pitchFamily="2" charset="-122"/>
-                <a:ea typeface="宋体" pitchFamily="2" charset="-122"/>
-              </a:rPr>
-              <a:t>（</a:t>
-            </a:r>
-            <a:r>
-              <a:rPr lang="en-US" altLang="zh-CN" sz="2400" b="1" dirty="0" smtClean="0"/>
-              <a:t>sketch-based image retrieval</a:t>
-            </a:r>
-            <a:r>
-              <a:rPr lang="zh-CN" altLang="en-US" sz="2400" spc="-1" dirty="0" smtClean="0">
+                <a:latin typeface="宋体"/>
+                <a:ea typeface="宋体"/>
+              </a:rPr>
+              <a:t>用户可以轻松绘制触摸屏上所需的物体</a:t>
+            </a:r>
+            <a:r>
+              <a:rPr lang="en-US" sz="2400" b="0" strike="noStrike" spc="-1">
                 <a:solidFill>
                   <a:srgbClr val="000000"/>
                 </a:solidFill>
@@ -4374,56 +5595,144 @@
                     <a:srgbClr val="FFFFFF"/>
                   </a:solidFill>
                 </a:uFill>
-                <a:latin typeface="宋体" pitchFamily="2" charset="-122"/>
-                <a:ea typeface="宋体" pitchFamily="2" charset="-122"/>
+                <a:latin typeface="宋体"/>
+                <a:ea typeface="宋体"/>
+              </a:rPr>
+              <a:t>。因为草图可以有效地表达形状、姿势和细节。这种任务叫做</a:t>
+            </a:r>
+            <a:r>
+              <a:rPr lang="en-US" sz="2400" b="1" strike="noStrike" spc="-1">
+                <a:solidFill>
+                  <a:srgbClr val="000000"/>
+                </a:solidFill>
+                <a:uFill>
+                  <a:solidFill>
+                    <a:srgbClr val="FFFFFF"/>
+                  </a:solidFill>
+                </a:uFill>
+                <a:latin typeface="宋体"/>
+                <a:ea typeface="宋体"/>
+              </a:rPr>
+              <a:t>SBIR（</a:t>
+            </a:r>
+            <a:r>
+              <a:rPr lang="en-US" sz="2400" b="1" strike="noStrike" spc="-1">
+                <a:solidFill>
+                  <a:srgbClr val="000000"/>
+                </a:solidFill>
+                <a:uFill>
+                  <a:solidFill>
+                    <a:srgbClr val="FFFFFF"/>
+                  </a:solidFill>
+                </a:uFill>
+                <a:latin typeface="Arial"/>
+                <a:ea typeface="DejaVu Sans"/>
+              </a:rPr>
+              <a:t>sketch-based image retrieval</a:t>
+            </a:r>
+            <a:r>
+              <a:rPr lang="en-US" sz="2400" b="0" strike="noStrike" spc="-1">
+                <a:solidFill>
+                  <a:srgbClr val="000000"/>
+                </a:solidFill>
+                <a:uFill>
+                  <a:solidFill>
+                    <a:srgbClr val="FFFFFF"/>
+                  </a:solidFill>
+                </a:uFill>
+                <a:latin typeface="宋体"/>
+                <a:ea typeface="宋体"/>
               </a:rPr>
               <a:t>）</a:t>
             </a:r>
-            <a:endParaRPr lang="en-US" altLang="zh-CN" sz="2400" dirty="0" smtClean="0">
-              <a:latin typeface="宋体" pitchFamily="2" charset="-122"/>
-              <a:ea typeface="宋体" pitchFamily="2" charset="-122"/>
-            </a:endParaRPr>
-          </a:p>
-          <a:p>
-            <a:endParaRPr lang="zh-CN" altLang="en-US" sz="2000" dirty="0" smtClean="0"/>
-          </a:p>
-          <a:p>
-            <a:endParaRPr lang="zh-CN" altLang="en-US" sz="2000" dirty="0" smtClean="0"/>
-          </a:p>
-          <a:p>
-            <a:endParaRPr lang="zh-CN" altLang="en-US" sz="2000" dirty="0"/>
+            <a:endParaRPr lang="en-US" sz="1800" b="0" strike="noStrike" spc="-1">
+              <a:solidFill>
+                <a:srgbClr val="000000"/>
+              </a:solidFill>
+              <a:uFill>
+                <a:solidFill>
+                  <a:srgbClr val="FFFFFF"/>
+                </a:solidFill>
+              </a:uFill>
+              <a:latin typeface="Arial"/>
+            </a:endParaRPr>
+          </a:p>
+          <a:p>
+            <a:pPr>
+              <a:lnSpc>
+                <a:spcPct val="100000"/>
+              </a:lnSpc>
+            </a:pPr>
+            <a:endParaRPr lang="en-US" sz="1800" b="0" strike="noStrike" spc="-1">
+              <a:solidFill>
+                <a:srgbClr val="000000"/>
+              </a:solidFill>
+              <a:uFill>
+                <a:solidFill>
+                  <a:srgbClr val="FFFFFF"/>
+                </a:solidFill>
+              </a:uFill>
+              <a:latin typeface="Arial"/>
+            </a:endParaRPr>
+          </a:p>
+          <a:p>
+            <a:pPr>
+              <a:lnSpc>
+                <a:spcPct val="100000"/>
+              </a:lnSpc>
+            </a:pPr>
+            <a:endParaRPr lang="en-US" sz="1800" b="0" strike="noStrike" spc="-1">
+              <a:solidFill>
+                <a:srgbClr val="000000"/>
+              </a:solidFill>
+              <a:uFill>
+                <a:solidFill>
+                  <a:srgbClr val="FFFFFF"/>
+                </a:solidFill>
+              </a:uFill>
+              <a:latin typeface="Arial"/>
+            </a:endParaRPr>
+          </a:p>
+          <a:p>
+            <a:pPr>
+              <a:lnSpc>
+                <a:spcPct val="100000"/>
+              </a:lnSpc>
+            </a:pPr>
+            <a:endParaRPr lang="en-US" sz="1800" b="0" strike="noStrike" spc="-1">
+              <a:solidFill>
+                <a:srgbClr val="000000"/>
+              </a:solidFill>
+              <a:uFill>
+                <a:solidFill>
+                  <a:srgbClr val="FFFFFF"/>
+                </a:solidFill>
+              </a:uFill>
+              <a:latin typeface="Arial"/>
+            </a:endParaRPr>
           </a:p>
         </p:txBody>
       </p:sp>
       <p:pic>
         <p:nvPicPr>
-          <p:cNvPr id="1026" name="Picture 2"/>
-          <p:cNvPicPr>
-            <a:picLocks noChangeAspect="1" noChangeArrowheads="1"/>
-          </p:cNvPicPr>
+          <p:cNvPr id="77" name="Picture 2"/>
+          <p:cNvPicPr/>
           <p:nvPr/>
         </p:nvPicPr>
         <p:blipFill>
           <a:blip r:embed="rId2" cstate="print"/>
-          <a:srcRect/>
-          <a:stretch>
-            <a:fillRect/>
-          </a:stretch>
+          <a:stretch/>
         </p:blipFill>
-        <p:spPr bwMode="auto">
-          <a:xfrm>
-            <a:off x="3935760" y="1268760"/>
-            <a:ext cx="3744416" cy="3977713"/>
-          </a:xfrm>
-          <a:prstGeom prst="rect">
-            <a:avLst/>
-          </a:prstGeom>
-          <a:noFill/>
-          <a:ln w="9525">
+        <p:spPr>
+          <a:xfrm>
+            <a:off x="3935880" y="1268640"/>
+            <a:ext cx="3744000" cy="3977280"/>
+          </a:xfrm>
+          <a:prstGeom prst="rect">
+            <a:avLst/>
+          </a:prstGeom>
+          <a:ln w="9360">
             <a:noFill/>
-            <a:miter lim="800000"/>
-            <a:headEnd/>
-            <a:tailEnd/>
           </a:ln>
         </p:spPr>
       </p:pic>
@@ -4487,8 +5796,8 @@
         </p:nvSpPr>
         <p:spPr>
           <a:xfrm>
-            <a:off x="911424" y="692696"/>
-            <a:ext cx="10514880" cy="767880"/>
+            <a:off x="911520" y="692640"/>
+            <a:ext cx="10514520" cy="767520"/>
           </a:xfrm>
           <a:prstGeom prst="rect">
             <a:avLst/>
@@ -4520,7 +5829,7 @@
               </a:lnSpc>
             </a:pPr>
             <a:r>
-              <a:rPr lang="zh-CN" altLang="en-US" sz="3200" b="1" spc="-1" dirty="0" smtClean="0">
+              <a:rPr lang="en-US" sz="3200" b="1" strike="noStrike" spc="-1">
                 <a:solidFill>
                   <a:srgbClr val="000000"/>
                 </a:solidFill>
@@ -4530,11 +5839,12 @@
                   </a:solidFill>
                 </a:uFill>
                 <a:latin typeface="Calibri Light"/>
-              </a:rPr>
-              <a:t>文章</a:t>
-            </a:r>
-            <a:r>
-              <a:rPr lang="zh-CN" altLang="en-US" sz="3200" b="1" spc="-1" dirty="0" smtClean="0">
+                <a:ea typeface="DejaVu Sans"/>
+              </a:rPr>
+              <a:t>文章背景-</a:t>
+            </a:r>
+            <a:r>
+              <a:rPr lang="en-US" sz="3200" b="1" strike="noStrike" spc="-1">
                 <a:solidFill>
                   <a:srgbClr val="000000"/>
                 </a:solidFill>
@@ -4543,12 +5853,67 @@
                     <a:srgbClr val="FFFFFF"/>
                   </a:solidFill>
                 </a:uFill>
-                <a:latin typeface="Calibri Light"/>
-              </a:rPr>
-              <a:t>背景</a:t>
-            </a:r>
-            <a:r>
-              <a:rPr lang="en-US" altLang="zh-CN" sz="3200" b="1" spc="-1" dirty="0" smtClean="0">
+                <a:latin typeface="宋体"/>
+                <a:ea typeface="宋体"/>
+              </a:rPr>
+              <a:t> Zero-Shot Learning</a:t>
+            </a:r>
+            <a:endParaRPr lang="en-US" sz="1800" b="0" strike="noStrike" spc="-1">
+              <a:solidFill>
+                <a:srgbClr val="000000"/>
+              </a:solidFill>
+              <a:uFill>
+                <a:solidFill>
+                  <a:srgbClr val="FFFFFF"/>
+                </a:solidFill>
+              </a:uFill>
+              <a:latin typeface="Arial"/>
+            </a:endParaRPr>
+          </a:p>
+        </p:txBody>
+      </p:sp>
+      <p:sp>
+        <p:nvSpPr>
+          <p:cNvPr id="79" name="CustomShape 2"/>
+          <p:cNvSpPr/>
+          <p:nvPr/>
+        </p:nvSpPr>
+        <p:spPr>
+          <a:xfrm>
+            <a:off x="1415480" y="4885224"/>
+            <a:ext cx="9216720" cy="1972776"/>
+          </a:xfrm>
+          <a:prstGeom prst="rect">
+            <a:avLst/>
+          </a:prstGeom>
+          <a:noFill/>
+          <a:ln>
+            <a:noFill/>
+          </a:ln>
+        </p:spPr>
+        <p:style>
+          <a:lnRef idx="0">
+            <a:scrgbClr r="0" g="0" b="0"/>
+          </a:lnRef>
+          <a:fillRef idx="0">
+            <a:scrgbClr r="0" g="0" b="0"/>
+          </a:fillRef>
+          <a:effectRef idx="0">
+            <a:scrgbClr r="0" g="0" b="0"/>
+          </a:effectRef>
+          <a:fontRef idx="minor"/>
+        </p:style>
+        <p:txBody>
+          <a:bodyPr lIns="90000" tIns="45000" rIns="90000" bIns="45000"/>
+          <a:lstStyle/>
+          <a:p>
+            <a:pPr>
+              <a:lnSpc>
+                <a:spcPct val="100000"/>
+              </a:lnSpc>
+            </a:pPr>
+            <a:r>
+              <a:rPr lang="en-US" sz="2400" b="0" strike="noStrike" spc="-1" dirty="0">
                 <a:solidFill>
                   <a:srgbClr val="000000"/>
                 </a:solidFill>
@@ -4557,12 +5922,49 @@
                     <a:srgbClr val="FFFFFF"/>
                   </a:solidFill>
                 </a:uFill>
-                <a:latin typeface="Calibri Light"/>
-              </a:rPr>
-              <a:t>-</a:t>
-            </a:r>
-            <a:r>
-              <a:rPr lang="en-US" altLang="zh-CN" sz="3200" b="1" spc="-1" dirty="0" smtClean="0">
+                <a:latin typeface="宋体"/>
+                <a:ea typeface="宋体"/>
+              </a:rPr>
+              <a:t>2）而且实际中，用户画的草图不一定包含在标注数据库中。</a:t>
+            </a:r>
+            <a:endParaRPr lang="en-US" sz="1800" b="0" strike="noStrike" spc="-1" dirty="0">
+              <a:solidFill>
+                <a:srgbClr val="000000"/>
+              </a:solidFill>
+              <a:uFill>
+                <a:solidFill>
+                  <a:srgbClr val="FFFFFF"/>
+                </a:solidFill>
+              </a:uFill>
+              <a:latin typeface="Arial"/>
+            </a:endParaRPr>
+          </a:p>
+          <a:p>
+            <a:pPr>
+              <a:lnSpc>
+                <a:spcPct val="100000"/>
+              </a:lnSpc>
+            </a:pPr>
+            <a:endParaRPr lang="en-US" sz="1800" b="0" strike="noStrike" spc="-1" dirty="0">
+              <a:solidFill>
+                <a:srgbClr val="000000"/>
+              </a:solidFill>
+              <a:uFill>
+                <a:solidFill>
+                  <a:srgbClr val="FFFFFF"/>
+                </a:solidFill>
+              </a:uFill>
+              <a:latin typeface="Arial"/>
+            </a:endParaRPr>
+          </a:p>
+          <a:p>
+            <a:pPr>
+              <a:lnSpc>
+                <a:spcPct val="100000"/>
+              </a:lnSpc>
+            </a:pPr>
+            <a:r>
+              <a:rPr lang="en-US" sz="2400" b="0" strike="noStrike" spc="-1" dirty="0" err="1">
                 <a:solidFill>
                   <a:srgbClr val="000000"/>
                 </a:solidFill>
@@ -4571,13 +5973,13 @@
                     <a:srgbClr val="FFFFFF"/>
                   </a:solidFill>
                 </a:uFill>
-                <a:latin typeface="宋体" pitchFamily="2" charset="-122"/>
-                <a:ea typeface="宋体" pitchFamily="2" charset="-122"/>
-              </a:rPr>
-              <a:t> </a:t>
-            </a:r>
-            <a:r>
-              <a:rPr lang="en-US" altLang="zh-CN" sz="3200" b="1" spc="-1" dirty="0" smtClean="0">
+                <a:latin typeface="宋体"/>
+                <a:ea typeface="宋体"/>
+              </a:rPr>
+              <a:t>本文结合</a:t>
+            </a:r>
+            <a:r>
+              <a:rPr lang="en-US" sz="2400" b="1" strike="noStrike" spc="-1" dirty="0" err="1">
                 <a:solidFill>
                   <a:srgbClr val="000000"/>
                 </a:solidFill>
@@ -4586,13 +5988,13 @@
                     <a:srgbClr val="FFFFFF"/>
                   </a:solidFill>
                 </a:uFill>
-                <a:latin typeface="宋体" pitchFamily="2" charset="-122"/>
-                <a:ea typeface="宋体" pitchFamily="2" charset="-122"/>
-              </a:rPr>
-              <a:t>Zero-Shot </a:t>
-            </a:r>
-            <a:r>
-              <a:rPr lang="en-US" altLang="zh-CN" sz="3200" b="1" spc="-1" dirty="0" smtClean="0">
+                <a:latin typeface="宋体"/>
+                <a:ea typeface="宋体"/>
+              </a:rPr>
+              <a:t>SBIR（</a:t>
+            </a:r>
+            <a:r>
+              <a:rPr lang="en-US" sz="2400" b="1" strike="noStrike" spc="-1" dirty="0" err="1">
                 <a:solidFill>
                   <a:srgbClr val="000000"/>
                 </a:solidFill>
@@ -4601,49 +6003,13 @@
                     <a:srgbClr val="FFFFFF"/>
                   </a:solidFill>
                 </a:uFill>
-                <a:latin typeface="宋体" pitchFamily="2" charset="-122"/>
-                <a:ea typeface="宋体" pitchFamily="2" charset="-122"/>
-              </a:rPr>
-              <a:t>Learning</a:t>
-            </a:r>
-            <a:endParaRPr lang="en-US" sz="3200" b="1" spc="-1" dirty="0">
-              <a:solidFill>
-                <a:srgbClr val="000000"/>
-              </a:solidFill>
-              <a:uFill>
-                <a:solidFill>
-                  <a:srgbClr val="FFFFFF"/>
-                </a:solidFill>
-              </a:uFill>
-              <a:latin typeface="Calibri Light"/>
-            </a:endParaRPr>
-          </a:p>
-        </p:txBody>
-      </p:sp>
-      <p:sp>
-        <p:nvSpPr>
-          <p:cNvPr id="4" name="TextBox 3"/>
-          <p:cNvSpPr txBox="1"/>
-          <p:nvPr/>
-        </p:nvSpPr>
-        <p:spPr>
-          <a:xfrm>
-            <a:off x="1487488" y="2492896"/>
-            <a:ext cx="9217024" cy="2862322"/>
-          </a:xfrm>
-          <a:prstGeom prst="rect">
-            <a:avLst/>
-          </a:prstGeom>
-          <a:noFill/>
-        </p:spPr>
-        <p:txBody>
-          <a:bodyPr wrap="square" rtlCol="0">
-            <a:spAutoFit/>
-          </a:bodyPr>
-          <a:lstStyle/>
-          <a:p>
-            <a:r>
-              <a:rPr lang="en-US" altLang="zh-CN" sz="2400" spc="-1" dirty="0" smtClean="0">
+                <a:latin typeface="Arial"/>
+                <a:ea typeface="DejaVu Sans"/>
+              </a:rPr>
+              <a:t>sketch</a:t>
+            </a:r>
+            <a:r>
+              <a:rPr lang="en-US" sz="2400" b="1" strike="noStrike" spc="-1" dirty="0">
                 <a:solidFill>
                   <a:srgbClr val="000000"/>
                 </a:solidFill>
@@ -4652,13 +6018,13 @@
                     <a:srgbClr val="FFFFFF"/>
                   </a:solidFill>
                 </a:uFill>
-                <a:latin typeface="宋体" pitchFamily="2" charset="-122"/>
-                <a:ea typeface="宋体" pitchFamily="2" charset="-122"/>
-              </a:rPr>
-              <a:t>2</a:t>
-            </a:r>
-            <a:r>
-              <a:rPr lang="zh-CN" altLang="en-US" sz="2400" spc="-1" dirty="0" smtClean="0">
+                <a:latin typeface="Arial"/>
+                <a:ea typeface="DejaVu Sans"/>
+              </a:rPr>
+              <a:t>-based image </a:t>
+            </a:r>
+            <a:r>
+              <a:rPr lang="en-US" sz="2400" b="1" strike="noStrike" spc="-1" dirty="0" err="1">
                 <a:solidFill>
                   <a:srgbClr val="000000"/>
                 </a:solidFill>
@@ -4667,41 +6033,13 @@
                     <a:srgbClr val="FFFFFF"/>
                   </a:solidFill>
                 </a:uFill>
-                <a:latin typeface="宋体" pitchFamily="2" charset="-122"/>
-                <a:ea typeface="宋体" pitchFamily="2" charset="-122"/>
-              </a:rPr>
-              <a:t>）而且实际中，用户画的草图不一定包含在标注数据库中。</a:t>
-            </a:r>
-            <a:endParaRPr lang="en-US" altLang="zh-CN" sz="2400" spc="-1" dirty="0" smtClean="0">
-              <a:solidFill>
-                <a:srgbClr val="000000"/>
-              </a:solidFill>
-              <a:uFill>
-                <a:solidFill>
-                  <a:srgbClr val="FFFFFF"/>
-                </a:solidFill>
-              </a:uFill>
-              <a:latin typeface="宋体" pitchFamily="2" charset="-122"/>
-              <a:ea typeface="宋体" pitchFamily="2" charset="-122"/>
-            </a:endParaRPr>
-          </a:p>
-          <a:p>
-            <a:endParaRPr lang="en-US" altLang="zh-CN" sz="2400" spc="-1" dirty="0" smtClean="0">
-              <a:solidFill>
-                <a:srgbClr val="000000"/>
-              </a:solidFill>
-              <a:uFill>
-                <a:solidFill>
-                  <a:srgbClr val="FFFFFF"/>
-                </a:solidFill>
-              </a:uFill>
-              <a:latin typeface="宋体" pitchFamily="2" charset="-122"/>
-              <a:ea typeface="宋体" pitchFamily="2" charset="-122"/>
-            </a:endParaRPr>
-          </a:p>
-          <a:p>
-            <a:r>
-              <a:rPr lang="zh-CN" altLang="en-US" sz="2400" spc="-1" dirty="0" smtClean="0">
+                <a:latin typeface="Arial"/>
+                <a:ea typeface="DejaVu Sans"/>
+              </a:rPr>
+              <a:t>retrieval</a:t>
+            </a:r>
+            <a:r>
+              <a:rPr lang="en-US" sz="2400" b="0" strike="noStrike" spc="-1" dirty="0" err="1">
                 <a:solidFill>
                   <a:srgbClr val="000000"/>
                 </a:solidFill>
@@ -4710,13 +6048,13 @@
                     <a:srgbClr val="FFFFFF"/>
                   </a:solidFill>
                 </a:uFill>
-                <a:latin typeface="宋体" pitchFamily="2" charset="-122"/>
-                <a:ea typeface="宋体" pitchFamily="2" charset="-122"/>
-              </a:rPr>
-              <a:t>本文结合</a:t>
-            </a:r>
-            <a:r>
-              <a:rPr lang="en-US" altLang="zh-CN" sz="2400" b="1" spc="-1" dirty="0" smtClean="0">
+                <a:latin typeface="宋体"/>
+                <a:ea typeface="宋体"/>
+              </a:rPr>
+              <a:t>）和</a:t>
+            </a:r>
+            <a:r>
+              <a:rPr lang="en-US" sz="2400" b="1" strike="noStrike" spc="-1" dirty="0" err="1">
                 <a:solidFill>
                   <a:srgbClr val="000000"/>
                 </a:solidFill>
@@ -4725,13 +6063,13 @@
                     <a:srgbClr val="FFFFFF"/>
                   </a:solidFill>
                 </a:uFill>
-                <a:latin typeface="宋体" pitchFamily="2" charset="-122"/>
-                <a:ea typeface="宋体" pitchFamily="2" charset="-122"/>
-              </a:rPr>
-              <a:t>SBIR</a:t>
-            </a:r>
-            <a:r>
-              <a:rPr lang="zh-CN" altLang="en-US" sz="2400" b="1" spc="-1" dirty="0" smtClean="0">
+                <a:latin typeface="宋体"/>
+                <a:ea typeface="宋体"/>
+              </a:rPr>
+              <a:t>ZSL</a:t>
+            </a:r>
+            <a:r>
+              <a:rPr lang="en-US" sz="2400" b="1" strike="noStrike" spc="-1" dirty="0">
                 <a:solidFill>
                   <a:srgbClr val="000000"/>
                 </a:solidFill>
@@ -4740,17 +6078,13 @@
                     <a:srgbClr val="FFFFFF"/>
                   </a:solidFill>
                 </a:uFill>
-                <a:latin typeface="宋体" pitchFamily="2" charset="-122"/>
-                <a:ea typeface="宋体" pitchFamily="2" charset="-122"/>
-              </a:rPr>
-              <a:t>（</a:t>
-            </a:r>
-            <a:r>
-              <a:rPr lang="en-US" altLang="zh-CN" sz="2400" b="1" dirty="0" smtClean="0"/>
-              <a:t>sketch-based image retrieval</a:t>
-            </a:r>
-            <a:r>
-              <a:rPr lang="zh-CN" altLang="en-US" sz="2400" spc="-1" dirty="0" smtClean="0">
+                <a:latin typeface="宋体"/>
+                <a:ea typeface="宋体"/>
+              </a:rPr>
+              <a:t>(Zero-Shot Learning)，</a:t>
+            </a:r>
+            <a:r>
+              <a:rPr lang="en-US" sz="2400" b="0" strike="noStrike" spc="-1" dirty="0">
                 <a:solidFill>
                   <a:srgbClr val="000000"/>
                 </a:solidFill>
@@ -4759,160 +6093,117 @@
                     <a:srgbClr val="FFFFFF"/>
                   </a:solidFill>
                 </a:uFill>
-                <a:latin typeface="宋体" pitchFamily="2" charset="-122"/>
-                <a:ea typeface="宋体" pitchFamily="2" charset="-122"/>
-              </a:rPr>
-              <a:t>）和</a:t>
-            </a:r>
-            <a:r>
-              <a:rPr lang="en-US" altLang="zh-CN" sz="2400" b="1" spc="-1" dirty="0" smtClean="0">
-                <a:solidFill>
-                  <a:srgbClr val="000000"/>
+                <a:latin typeface="宋体"/>
+                <a:ea typeface="宋体"/>
+              </a:rPr>
+              <a:t>提出</a:t>
+            </a:r>
+            <a:r>
+              <a:rPr lang="en-US" sz="2400" b="0" strike="noStrike" spc="-1" dirty="0">
+                <a:solidFill>
+                  <a:srgbClr val="FF0000"/>
                 </a:solidFill>
                 <a:uFill>
                   <a:solidFill>
                     <a:srgbClr val="FFFFFF"/>
                   </a:solidFill>
                 </a:uFill>
-                <a:latin typeface="宋体" pitchFamily="2" charset="-122"/>
-                <a:ea typeface="宋体" pitchFamily="2" charset="-122"/>
-              </a:rPr>
-              <a:t>ZSL(Zero-Shot Learning)</a:t>
-            </a:r>
-            <a:r>
-              <a:rPr lang="zh-CN" altLang="en-US" sz="2400" b="1" spc="-1" dirty="0" smtClean="0">
-                <a:solidFill>
-                  <a:srgbClr val="000000"/>
-                </a:solidFill>
-                <a:uFill>
-                  <a:solidFill>
-                    <a:srgbClr val="FFFFFF"/>
-                  </a:solidFill>
-                </a:uFill>
-                <a:latin typeface="宋体" pitchFamily="2" charset="-122"/>
-                <a:ea typeface="宋体" pitchFamily="2" charset="-122"/>
-              </a:rPr>
-              <a:t>，</a:t>
-            </a:r>
-            <a:r>
-              <a:rPr lang="zh-CN" altLang="en-US" sz="2400" spc="-1" dirty="0" smtClean="0">
-                <a:solidFill>
-                  <a:srgbClr val="000000"/>
-                </a:solidFill>
-                <a:uFill>
-                  <a:solidFill>
-                    <a:srgbClr val="FFFFFF"/>
-                  </a:solidFill>
-                </a:uFill>
-                <a:latin typeface="宋体" pitchFamily="2" charset="-122"/>
-                <a:ea typeface="宋体" pitchFamily="2" charset="-122"/>
-              </a:rPr>
-              <a:t>提出</a:t>
-            </a:r>
-            <a:r>
-              <a:rPr lang="en-US" altLang="zh-CN" sz="2400" spc="-1" dirty="0" smtClean="0">
-                <a:solidFill>
-                  <a:srgbClr val="FF0000"/>
-                </a:solidFill>
-                <a:uFill>
-                  <a:solidFill>
-                    <a:srgbClr val="FFFFFF"/>
-                  </a:solidFill>
-                </a:uFill>
-                <a:latin typeface="宋体" pitchFamily="2" charset="-122"/>
-                <a:ea typeface="宋体" pitchFamily="2" charset="-122"/>
-              </a:rPr>
-              <a:t>SEM-PCYC</a:t>
-            </a:r>
-            <a:r>
-              <a:rPr lang="zh-CN" altLang="en-US" sz="2400" dirty="0" smtClean="0">
-                <a:solidFill>
-                  <a:srgbClr val="FF0000"/>
-                </a:solidFill>
-                <a:latin typeface="宋体" pitchFamily="2" charset="-122"/>
-                <a:ea typeface="宋体" pitchFamily="2" charset="-122"/>
-              </a:rPr>
-              <a:t>补充传统</a:t>
-            </a:r>
-            <a:r>
-              <a:rPr lang="zh-CN" altLang="en-US" sz="2400" dirty="0" smtClean="0">
-                <a:solidFill>
-                  <a:srgbClr val="FF0000"/>
-                </a:solidFill>
-                <a:latin typeface="宋体" pitchFamily="2" charset="-122"/>
-                <a:ea typeface="宋体" pitchFamily="2" charset="-122"/>
-              </a:rPr>
-              <a:t>文本图像的跨模式</a:t>
-            </a:r>
-            <a:r>
-              <a:rPr lang="zh-CN" altLang="en-US" sz="2400" dirty="0" smtClean="0">
-                <a:solidFill>
-                  <a:srgbClr val="FF0000"/>
-                </a:solidFill>
-                <a:latin typeface="宋体" pitchFamily="2" charset="-122"/>
-                <a:ea typeface="宋体" pitchFamily="2" charset="-122"/>
-              </a:rPr>
-              <a:t>检索或者经典的</a:t>
-            </a:r>
-            <a:r>
-              <a:rPr lang="zh-CN" altLang="en-US" sz="2400" dirty="0" smtClean="0">
-                <a:solidFill>
-                  <a:srgbClr val="FF0000"/>
-                </a:solidFill>
-                <a:latin typeface="宋体" pitchFamily="2" charset="-122"/>
-                <a:ea typeface="宋体" pitchFamily="2" charset="-122"/>
-              </a:rPr>
-              <a:t>基于</a:t>
-            </a:r>
-            <a:r>
-              <a:rPr lang="zh-CN" altLang="en-US" sz="2400" dirty="0" smtClean="0">
-                <a:solidFill>
-                  <a:srgbClr val="FF0000"/>
-                </a:solidFill>
-                <a:latin typeface="宋体" pitchFamily="2" charset="-122"/>
-                <a:ea typeface="宋体" pitchFamily="2" charset="-122"/>
-              </a:rPr>
-              <a:t>内容的</a:t>
-            </a:r>
-            <a:r>
-              <a:rPr lang="zh-CN" altLang="en-US" sz="2400" dirty="0" smtClean="0">
-                <a:solidFill>
-                  <a:srgbClr val="FF0000"/>
-                </a:solidFill>
-                <a:latin typeface="宋体" pitchFamily="2" charset="-122"/>
-                <a:ea typeface="宋体" pitchFamily="2" charset="-122"/>
-              </a:rPr>
-              <a:t>图像检索</a:t>
-            </a:r>
-            <a:r>
-              <a:rPr lang="zh-CN" altLang="en-US" sz="2400" dirty="0" smtClean="0">
-                <a:solidFill>
-                  <a:srgbClr val="FF0000"/>
-                </a:solidFill>
-                <a:latin typeface="宋体" pitchFamily="2" charset="-122"/>
-                <a:ea typeface="宋体" pitchFamily="2" charset="-122"/>
-              </a:rPr>
-              <a:t>协议。</a:t>
-            </a:r>
-            <a:endParaRPr lang="zh-CN" altLang="en-US" sz="2400" dirty="0" smtClean="0">
-              <a:solidFill>
-                <a:srgbClr val="FF0000"/>
-              </a:solidFill>
-              <a:latin typeface="宋体" pitchFamily="2" charset="-122"/>
-              <a:ea typeface="宋体" pitchFamily="2" charset="-122"/>
-            </a:endParaRPr>
-          </a:p>
-          <a:p>
-            <a:endParaRPr lang="zh-CN" altLang="en-US" sz="2000" dirty="0" smtClean="0"/>
-          </a:p>
-          <a:p>
-            <a:endParaRPr lang="zh-CN" altLang="en-US" sz="2000" dirty="0" smtClean="0"/>
-          </a:p>
-          <a:p>
-            <a:endParaRPr lang="zh-CN" altLang="en-US" sz="2000" dirty="0"/>
-          </a:p>
-        </p:txBody>
-      </p:sp>
+                <a:latin typeface="宋体"/>
+                <a:ea typeface="宋体"/>
+              </a:rPr>
+              <a:t>SEM-PCYC补充传统文本图像的跨模式检索或者经典的基于内容的图像检索协议。</a:t>
+            </a:r>
+            <a:endParaRPr lang="en-US" sz="1800" b="0" strike="noStrike" spc="-1" dirty="0">
+              <a:solidFill>
+                <a:srgbClr val="000000"/>
+              </a:solidFill>
+              <a:uFill>
+                <a:solidFill>
+                  <a:srgbClr val="FFFFFF"/>
+                </a:solidFill>
+              </a:uFill>
+              <a:latin typeface="Arial"/>
+            </a:endParaRPr>
+          </a:p>
+          <a:p>
+            <a:pPr>
+              <a:lnSpc>
+                <a:spcPct val="100000"/>
+              </a:lnSpc>
+            </a:pPr>
+            <a:endParaRPr lang="en-US" sz="1800" b="0" strike="noStrike" spc="-1" dirty="0">
+              <a:solidFill>
+                <a:srgbClr val="000000"/>
+              </a:solidFill>
+              <a:uFill>
+                <a:solidFill>
+                  <a:srgbClr val="FFFFFF"/>
+                </a:solidFill>
+              </a:uFill>
+              <a:latin typeface="Arial"/>
+            </a:endParaRPr>
+          </a:p>
+          <a:p>
+            <a:pPr>
+              <a:lnSpc>
+                <a:spcPct val="100000"/>
+              </a:lnSpc>
+            </a:pPr>
+            <a:endParaRPr lang="en-US" sz="1800" b="0" strike="noStrike" spc="-1" dirty="0">
+              <a:solidFill>
+                <a:srgbClr val="000000"/>
+              </a:solidFill>
+              <a:uFill>
+                <a:solidFill>
+                  <a:srgbClr val="FFFFFF"/>
+                </a:solidFill>
+              </a:uFill>
+              <a:latin typeface="Arial"/>
+            </a:endParaRPr>
+          </a:p>
+          <a:p>
+            <a:pPr>
+              <a:lnSpc>
+                <a:spcPct val="100000"/>
+              </a:lnSpc>
+            </a:pPr>
+            <a:endParaRPr lang="en-US" sz="1800" b="0" strike="noStrike" spc="-1" dirty="0">
+              <a:solidFill>
+                <a:srgbClr val="000000"/>
+              </a:solidFill>
+              <a:uFill>
+                <a:solidFill>
+                  <a:srgbClr val="FFFFFF"/>
+                </a:solidFill>
+              </a:uFill>
+              <a:latin typeface="Arial"/>
+            </a:endParaRPr>
+          </a:p>
+        </p:txBody>
+      </p:sp>
+      <p:pic>
+        <p:nvPicPr>
+          <p:cNvPr id="80" name="图片 79"/>
+          <p:cNvPicPr/>
+          <p:nvPr/>
+        </p:nvPicPr>
+        <p:blipFill>
+          <a:blip r:embed="rId2" cstate="print"/>
+          <a:stretch/>
+        </p:blipFill>
+        <p:spPr>
+          <a:xfrm rot="21583200">
+            <a:off x="2503483" y="1428047"/>
+            <a:ext cx="6257352" cy="3241201"/>
+          </a:xfrm>
+          <a:prstGeom prst="rect">
+            <a:avLst/>
+          </a:prstGeom>
+          <a:ln>
+            <a:noFill/>
+          </a:ln>
+        </p:spPr>
+      </p:pic>
     </p:spTree>
   </p:cSld>
   <p:clrMapOvr>
@@ -4967,14 +6258,14 @@
       </p:grpSpPr>
       <p:sp>
         <p:nvSpPr>
-          <p:cNvPr id="75" name="CustomShape 1"/>
+          <p:cNvPr id="81" name="CustomShape 1"/>
           <p:cNvSpPr/>
           <p:nvPr/>
         </p:nvSpPr>
         <p:spPr>
           <a:xfrm>
-            <a:off x="767408" y="620688"/>
-            <a:ext cx="3992400" cy="576720"/>
+            <a:off x="767520" y="620640"/>
+            <a:ext cx="3992040" cy="576360"/>
           </a:xfrm>
           <a:prstGeom prst="rect">
             <a:avLst/>
@@ -5006,7 +6297,7 @@
               </a:lnSpc>
             </a:pPr>
             <a:r>
-              <a:rPr lang="en-US" sz="3200" b="1" strike="noStrike" spc="-1" dirty="0" smtClean="0">
+              <a:rPr lang="en-US" sz="3200" b="1" strike="noStrike" spc="-1">
                 <a:solidFill>
                   <a:srgbClr val="000000"/>
                 </a:solidFill>
@@ -5018,10 +6309,87 @@
                 <a:latin typeface="Calibri Light"/>
                 <a:ea typeface="DejaVu Sans"/>
               </a:rPr>
-              <a:t>SEM-PCYC</a:t>
-            </a:r>
-            <a:r>
-              <a:rPr lang="zh-CN" altLang="en-US" sz="3200" b="1" strike="noStrike" spc="-1" dirty="0" smtClean="0">
+              <a:t>SEM-PCYC的任务描述</a:t>
+            </a:r>
+            <a:endParaRPr lang="en-US" sz="1800" b="0" strike="noStrike" spc="-1">
+              <a:solidFill>
+                <a:srgbClr val="000000"/>
+              </a:solidFill>
+              <a:uFill>
+                <a:solidFill>
+                  <a:srgbClr val="FFFFFF"/>
+                </a:solidFill>
+              </a:uFill>
+              <a:latin typeface="Arial"/>
+            </a:endParaRPr>
+          </a:p>
+        </p:txBody>
+      </p:sp>
+      <p:pic>
+        <p:nvPicPr>
+          <p:cNvPr id="82" name="Picture 2"/>
+          <p:cNvPicPr/>
+          <p:nvPr/>
+        </p:nvPicPr>
+        <p:blipFill>
+          <a:blip r:embed="rId2" cstate="print"/>
+          <a:stretch/>
+        </p:blipFill>
+        <p:spPr>
+          <a:xfrm>
+            <a:off x="623520" y="1196640"/>
+            <a:ext cx="10489680" cy="4532400"/>
+          </a:xfrm>
+          <a:prstGeom prst="rect">
+            <a:avLst/>
+          </a:prstGeom>
+          <a:ln w="9360">
+            <a:noFill/>
+          </a:ln>
+        </p:spPr>
+      </p:pic>
+      <p:sp>
+        <p:nvSpPr>
+          <p:cNvPr id="83" name="CustomShape 2"/>
+          <p:cNvSpPr/>
+          <p:nvPr/>
+        </p:nvSpPr>
+        <p:spPr>
+          <a:xfrm>
+            <a:off x="2882880" y="6093360"/>
+            <a:ext cx="5438880" cy="364680"/>
+          </a:xfrm>
+          <a:prstGeom prst="rect">
+            <a:avLst/>
+          </a:prstGeom>
+          <a:noFill/>
+          <a:ln>
+            <a:noFill/>
+          </a:ln>
+        </p:spPr>
+        <p:style>
+          <a:lnRef idx="0">
+            <a:scrgbClr r="0" g="0" b="0"/>
+          </a:lnRef>
+          <a:fillRef idx="0">
+            <a:scrgbClr r="0" g="0" b="0"/>
+          </a:fillRef>
+          <a:effectRef idx="0">
+            <a:scrgbClr r="0" g="0" b="0"/>
+          </a:effectRef>
+          <a:fontRef idx="minor"/>
+        </p:style>
+        <p:txBody>
+          <a:bodyPr wrap="none" lIns="90000" tIns="45000" rIns="90000" bIns="45000"/>
+          <a:lstStyle/>
+          <a:p>
+            <a:pPr>
+              <a:lnSpc>
+                <a:spcPct val="100000"/>
+              </a:lnSpc>
+            </a:pPr>
+            <a:r>
+              <a:rPr lang="en-US" sz="1800" b="0" strike="noStrike" spc="-1">
                 <a:solidFill>
                   <a:srgbClr val="000000"/>
                 </a:solidFill>
@@ -5030,99 +6398,22 @@
                     <a:srgbClr val="FFFFFF"/>
                   </a:solidFill>
                 </a:uFill>
-                <a:latin typeface="Calibri Light"/>
+                <a:latin typeface="Arial"/>
                 <a:ea typeface="DejaVu Sans"/>
               </a:rPr>
-              <a:t>的</a:t>
-            </a:r>
-            <a:r>
-              <a:rPr lang="zh-CN" altLang="en-US" sz="3200" b="1" spc="-1" dirty="0" smtClean="0">
-                <a:solidFill>
-                  <a:srgbClr val="000000"/>
-                </a:solidFill>
-                <a:uFill>
-                  <a:solidFill>
-                    <a:srgbClr val="FFFFFF"/>
-                  </a:solidFill>
-                </a:uFill>
-                <a:latin typeface="Calibri Light"/>
-                <a:ea typeface="DejaVu Sans"/>
-              </a:rPr>
-              <a:t>任务描述</a:t>
-            </a:r>
-            <a:endParaRPr lang="en-US" sz="1800" b="0" strike="noStrike" spc="-1" dirty="0">
-              <a:solidFill>
-                <a:srgbClr val="000000"/>
-              </a:solidFill>
-              <a:uFill>
-                <a:solidFill>
-                  <a:srgbClr val="FFFFFF"/>
-                </a:solidFill>
-              </a:uFill>
-              <a:latin typeface="Arial"/>
-            </a:endParaRPr>
-          </a:p>
-        </p:txBody>
-      </p:sp>
-      <p:pic>
-        <p:nvPicPr>
-          <p:cNvPr id="1026" name="Picture 2"/>
-          <p:cNvPicPr>
-            <a:picLocks noChangeAspect="1" noChangeArrowheads="1"/>
-          </p:cNvPicPr>
-          <p:nvPr/>
-        </p:nvPicPr>
-        <p:blipFill>
-          <a:blip r:embed="rId2" cstate="print"/>
-          <a:srcRect/>
-          <a:stretch>
-            <a:fillRect/>
-          </a:stretch>
-        </p:blipFill>
-        <p:spPr bwMode="auto">
-          <a:xfrm>
-            <a:off x="623392" y="1196752"/>
-            <a:ext cx="10490126" cy="4532684"/>
-          </a:xfrm>
-          <a:prstGeom prst="rect">
-            <a:avLst/>
-          </a:prstGeom>
-          <a:noFill/>
-          <a:ln w="9525">
-            <a:noFill/>
-            <a:miter lim="800000"/>
-            <a:headEnd/>
-            <a:tailEnd/>
-          </a:ln>
-        </p:spPr>
-      </p:pic>
-      <p:sp>
-        <p:nvSpPr>
-          <p:cNvPr id="7" name="TextBox 6"/>
-          <p:cNvSpPr txBox="1"/>
-          <p:nvPr/>
-        </p:nvSpPr>
-        <p:spPr>
-          <a:xfrm>
-            <a:off x="2855640" y="6093296"/>
-            <a:ext cx="5493812" cy="369332"/>
-          </a:xfrm>
-          <a:prstGeom prst="rect">
-            <a:avLst/>
-          </a:prstGeom>
-          <a:noFill/>
-        </p:spPr>
-        <p:txBody>
-          <a:bodyPr wrap="none" rtlCol="0">
-            <a:spAutoFit/>
-          </a:bodyPr>
-          <a:lstStyle/>
-          <a:p>
-            <a:r>
-              <a:rPr lang="zh-CN" altLang="en-US" dirty="0" smtClean="0"/>
               <a:t>通过对已知类的训练，来预测未知草图，并进行预测</a:t>
             </a:r>
-            <a:endParaRPr lang="zh-CN" altLang="en-US" dirty="0"/>
+            <a:endParaRPr lang="en-US" sz="1800" b="0" strike="noStrike" spc="-1">
+              <a:solidFill>
+                <a:srgbClr val="000000"/>
+              </a:solidFill>
+              <a:uFill>
+                <a:solidFill>
+                  <a:srgbClr val="FFFFFF"/>
+                </a:solidFill>
+              </a:uFill>
+              <a:latin typeface="Arial"/>
+            </a:endParaRPr>
           </a:p>
         </p:txBody>
       </p:sp>
@@ -5180,14 +6471,14 @@
       </p:grpSpPr>
       <p:sp>
         <p:nvSpPr>
-          <p:cNvPr id="80" name="CustomShape 1"/>
+          <p:cNvPr id="84" name="CustomShape 1"/>
           <p:cNvSpPr/>
           <p:nvPr/>
         </p:nvSpPr>
         <p:spPr>
           <a:xfrm>
             <a:off x="596520" y="537480"/>
-            <a:ext cx="10514880" cy="767880"/>
+            <a:ext cx="10514520" cy="767520"/>
           </a:xfrm>
           <a:prstGeom prst="rect">
             <a:avLst/>
@@ -5219,7 +6510,7 @@
               </a:lnSpc>
             </a:pPr>
             <a:r>
-              <a:rPr lang="en-US" altLang="zh-CN" sz="3200" b="1" spc="-1" dirty="0" smtClean="0">
+              <a:rPr lang="en-US" sz="3200" b="1" strike="noStrike" spc="-1">
                 <a:solidFill>
                   <a:srgbClr val="000000"/>
                 </a:solidFill>
@@ -5229,47 +6520,34 @@
                   </a:solidFill>
                 </a:uFill>
                 <a:latin typeface="Calibri Light"/>
-              </a:rPr>
-              <a:t>SEM-PCYC</a:t>
-            </a:r>
-            <a:r>
-              <a:rPr lang="zh-CN" altLang="en-US" sz="3200" b="1" spc="-1" dirty="0" smtClean="0">
-                <a:solidFill>
-                  <a:srgbClr val="000000"/>
-                </a:solidFill>
-                <a:uFill>
-                  <a:solidFill>
-                    <a:srgbClr val="FFFFFF"/>
-                  </a:solidFill>
-                </a:uFill>
-                <a:latin typeface="Calibri Light"/>
-              </a:rPr>
-              <a:t>的系统框架</a:t>
-            </a:r>
-            <a:endParaRPr lang="en-US" sz="1800" b="0" strike="noStrike" spc="-1" dirty="0">
-              <a:solidFill>
-                <a:srgbClr val="000000"/>
-              </a:solidFill>
-              <a:uFill>
-                <a:solidFill>
-                  <a:srgbClr val="FFFFFF"/>
-                </a:solidFill>
-              </a:uFill>
-              <a:latin typeface="Arial"/>
-            </a:endParaRPr>
-          </a:p>
-        </p:txBody>
-      </p:sp>
-      <p:sp>
-        <p:nvSpPr>
-          <p:cNvPr id="82" name="CustomShape 2"/>
+                <a:ea typeface="DejaVu Sans"/>
+              </a:rPr>
+              <a:t>SEM-PCYC的系统框架</a:t>
+            </a:r>
+            <a:endParaRPr lang="en-US" sz="1800" b="0" strike="noStrike" spc="-1">
+              <a:solidFill>
+                <a:srgbClr val="000000"/>
+              </a:solidFill>
+              <a:uFill>
+                <a:solidFill>
+                  <a:srgbClr val="FFFFFF"/>
+                </a:solidFill>
+              </a:uFill>
+              <a:latin typeface="Arial"/>
+            </a:endParaRPr>
+          </a:p>
+        </p:txBody>
+      </p:sp>
+      <p:sp>
+        <p:nvSpPr>
+          <p:cNvPr id="85" name="CustomShape 2"/>
           <p:cNvSpPr/>
           <p:nvPr/>
         </p:nvSpPr>
         <p:spPr>
           <a:xfrm>
             <a:off x="4003560" y="-144360"/>
-            <a:ext cx="304200" cy="304200"/>
+            <a:ext cx="303840" cy="303840"/>
           </a:xfrm>
           <a:prstGeom prst="rect">
             <a:avLst/>
@@ -5294,33 +6572,24 @@
       </p:sp>
       <p:pic>
         <p:nvPicPr>
-          <p:cNvPr id="2051" name="Picture 3"/>
-          <p:cNvPicPr>
-            <a:picLocks noChangeAspect="1" noChangeArrowheads="1"/>
-          </p:cNvPicPr>
+          <p:cNvPr id="86" name="Picture 3"/>
+          <p:cNvPicPr/>
           <p:nvPr/>
         </p:nvPicPr>
         <p:blipFill>
           <a:blip r:embed="rId2" cstate="print"/>
-          <a:srcRect/>
-          <a:stretch>
-            <a:fillRect/>
-          </a:stretch>
+          <a:stretch/>
         </p:blipFill>
-        <p:spPr bwMode="auto">
-          <a:xfrm>
-            <a:off x="983432" y="1340768"/>
-            <a:ext cx="10106025" cy="4667250"/>
-          </a:xfrm>
-          <a:prstGeom prst="rect">
-            <a:avLst/>
-          </a:prstGeom>
-          <a:noFill/>
-          <a:ln w="9525">
+        <p:spPr>
+          <a:xfrm>
+            <a:off x="983520" y="1340640"/>
+            <a:ext cx="10105560" cy="4667040"/>
+          </a:xfrm>
+          <a:prstGeom prst="rect">
+            <a:avLst/>
+          </a:prstGeom>
+          <a:ln w="9360">
             <a:noFill/>
-            <a:miter lim="800000"/>
-            <a:headEnd/>
-            <a:tailEnd/>
           </a:ln>
         </p:spPr>
       </p:pic>
@@ -5378,14 +6647,14 @@
       </p:grpSpPr>
       <p:sp>
         <p:nvSpPr>
-          <p:cNvPr id="88" name="CustomShape 1"/>
+          <p:cNvPr id="84" name="CustomShape 1"/>
           <p:cNvSpPr/>
           <p:nvPr/>
         </p:nvSpPr>
         <p:spPr>
           <a:xfrm>
-            <a:off x="888480" y="417960"/>
-            <a:ext cx="9670680" cy="411480"/>
+            <a:off x="479376" y="548680"/>
+            <a:ext cx="10514520" cy="767520"/>
           </a:xfrm>
           <a:prstGeom prst="rect">
             <a:avLst/>
@@ -5417,7 +6686,7 @@
               </a:lnSpc>
             </a:pPr>
             <a:r>
-              <a:rPr lang="en-US" sz="3200" b="1" strike="noStrike" spc="-1">
+              <a:rPr lang="en-US" sz="3200" b="1" strike="noStrike" spc="-1" dirty="0" err="1" smtClean="0">
                 <a:solidFill>
                   <a:srgbClr val="000000"/>
                 </a:solidFill>
@@ -5427,33 +6696,34 @@
                   </a:solidFill>
                 </a:uFill>
                 <a:latin typeface="Calibri Light"/>
-              </a:rPr>
-              <a:t>实验</a:t>
-            </a:r>
-            <a:endParaRPr lang="en-US" sz="1800" b="0" strike="noStrike" spc="-1">
-              <a:solidFill>
-                <a:srgbClr val="000000"/>
-              </a:solidFill>
-              <a:uFill>
-                <a:solidFill>
-                  <a:srgbClr val="FFFFFF"/>
-                </a:solidFill>
-              </a:uFill>
-              <a:latin typeface="Arial"/>
-            </a:endParaRPr>
-          </a:p>
-        </p:txBody>
-      </p:sp>
-      <p:sp>
-        <p:nvSpPr>
-          <p:cNvPr id="89" name="CustomShape 2"/>
+                <a:ea typeface="DejaVu Sans"/>
+              </a:rPr>
+              <a:t>CycleGAN的系统框架</a:t>
+            </a:r>
+            <a:endParaRPr lang="en-US" sz="1800" b="0" strike="noStrike" spc="-1" dirty="0">
+              <a:solidFill>
+                <a:srgbClr val="000000"/>
+              </a:solidFill>
+              <a:uFill>
+                <a:solidFill>
+                  <a:srgbClr val="FFFFFF"/>
+                </a:solidFill>
+              </a:uFill>
+              <a:latin typeface="Arial"/>
+            </a:endParaRPr>
+          </a:p>
+        </p:txBody>
+      </p:sp>
+      <p:sp>
+        <p:nvSpPr>
+          <p:cNvPr id="85" name="CustomShape 2"/>
           <p:cNvSpPr/>
           <p:nvPr/>
         </p:nvSpPr>
         <p:spPr>
           <a:xfrm>
-            <a:off x="839416" y="908720"/>
-            <a:ext cx="10514880" cy="1438920"/>
+            <a:off x="4003560" y="-144360"/>
+            <a:ext cx="303840" cy="303840"/>
           </a:xfrm>
           <a:prstGeom prst="rect">
             <a:avLst/>
@@ -5475,223 +6745,17 @@
           </a:effectRef>
           <a:fontRef idx="minor"/>
         </p:style>
-        <p:txBody>
-          <a:bodyPr lIns="90000" tIns="45000" rIns="90000" bIns="45000"/>
-          <a:lstStyle/>
-          <a:p>
-            <a:pPr>
-              <a:lnSpc>
-                <a:spcPct val="100000"/>
-              </a:lnSpc>
-            </a:pPr>
-            <a:r>
-              <a:rPr lang="en-US" sz="2400" b="0" strike="noStrike" spc="-1" dirty="0">
-                <a:solidFill>
-                  <a:srgbClr val="000000"/>
-                </a:solidFill>
-                <a:uFill>
-                  <a:solidFill>
-                    <a:srgbClr val="FFFFFF"/>
-                  </a:solidFill>
-                </a:uFill>
-                <a:latin typeface="Calibri"/>
-              </a:rPr>
-              <a:t>	</a:t>
-            </a:r>
-            <a:r>
-              <a:rPr lang="en-US" sz="2400" b="0" strike="noStrike" spc="-1" dirty="0" smtClean="0">
-                <a:solidFill>
-                  <a:srgbClr val="000000"/>
-                </a:solidFill>
-                <a:uFill>
-                  <a:solidFill>
-                    <a:srgbClr val="FFFFFF"/>
-                  </a:solidFill>
-                </a:uFill>
-                <a:latin typeface="Calibri"/>
-              </a:rPr>
-              <a:t>在</a:t>
-            </a:r>
-            <a:r>
-              <a:rPr lang="en-US" altLang="zh-CN" sz="2400" dirty="0" smtClean="0"/>
-              <a:t> The Sketchy Dataset </a:t>
-            </a:r>
-            <a:r>
-              <a:rPr lang="zh-CN" altLang="en-US" sz="2400" dirty="0" smtClean="0"/>
-              <a:t>和</a:t>
-            </a:r>
-            <a:r>
-              <a:rPr lang="en-US" altLang="zh-CN" sz="2400" dirty="0" smtClean="0"/>
-              <a:t>TU-</a:t>
-            </a:r>
-            <a:r>
-              <a:rPr lang="en-US" altLang="zh-CN" sz="2400" dirty="0" err="1" smtClean="0"/>
-              <a:t>Berlin</a:t>
-            </a:r>
-            <a:r>
-              <a:rPr lang="en-US" sz="2400" b="0" strike="noStrike" spc="-1" dirty="0" err="1" smtClean="0">
-                <a:solidFill>
-                  <a:srgbClr val="000000"/>
-                </a:solidFill>
-                <a:uFill>
-                  <a:solidFill>
-                    <a:srgbClr val="FFFFFF"/>
-                  </a:solidFill>
-                </a:uFill>
-                <a:latin typeface="Calibri"/>
-              </a:rPr>
-              <a:t>数据集上进行的评估结果表明</a:t>
-            </a:r>
-            <a:r>
-              <a:rPr lang="en-US" sz="2400" b="0" strike="noStrike" spc="-1" dirty="0">
-                <a:solidFill>
-                  <a:srgbClr val="000000"/>
-                </a:solidFill>
-                <a:uFill>
-                  <a:solidFill>
-                    <a:srgbClr val="FFFFFF"/>
-                  </a:solidFill>
-                </a:uFill>
-                <a:latin typeface="Calibri"/>
-              </a:rPr>
-              <a:t>， </a:t>
-            </a:r>
-            <a:r>
-              <a:rPr lang="en-US" altLang="zh-CN" sz="2400" b="1" spc="-1" dirty="0" smtClean="0">
-                <a:solidFill>
-                  <a:srgbClr val="000000"/>
-                </a:solidFill>
-                <a:uFill>
-                  <a:solidFill>
-                    <a:srgbClr val="FFFFFF"/>
-                  </a:solidFill>
-                </a:uFill>
-                <a:latin typeface="Calibri Light"/>
-              </a:rPr>
-              <a:t>SEM-PCYC </a:t>
-            </a:r>
-            <a:r>
-              <a:rPr lang="en-US" sz="2400" b="0" strike="noStrike" spc="-1" dirty="0" err="1" smtClean="0">
-                <a:solidFill>
-                  <a:srgbClr val="000000"/>
-                </a:solidFill>
-                <a:uFill>
-                  <a:solidFill>
-                    <a:srgbClr val="FFFFFF"/>
-                  </a:solidFill>
-                </a:uFill>
-                <a:latin typeface="Calibri"/>
-              </a:rPr>
-              <a:t>的表现</a:t>
-            </a:r>
-            <a:r>
-              <a:rPr lang="zh-CN" altLang="en-US" sz="2400" b="0" strike="noStrike" spc="-1" dirty="0" smtClean="0">
-                <a:solidFill>
-                  <a:srgbClr val="000000"/>
-                </a:solidFill>
-                <a:uFill>
-                  <a:solidFill>
-                    <a:srgbClr val="FFFFFF"/>
-                  </a:solidFill>
-                </a:uFill>
-                <a:latin typeface="Calibri"/>
-              </a:rPr>
-              <a:t>大幅优于</a:t>
-            </a:r>
-            <a:r>
-              <a:rPr lang="en-US" sz="2400" b="0" strike="noStrike" spc="-1" dirty="0" smtClean="0">
-                <a:solidFill>
-                  <a:srgbClr val="000000"/>
-                </a:solidFill>
-                <a:uFill>
-                  <a:solidFill>
-                    <a:srgbClr val="FFFFFF"/>
-                  </a:solidFill>
-                </a:uFill>
-                <a:latin typeface="Calibri"/>
-              </a:rPr>
-              <a:t>主流的检测算法，</a:t>
-            </a:r>
-            <a:r>
-              <a:rPr lang="en-US" sz="2400" b="1" strike="noStrike" spc="-1" dirty="0" smtClean="0">
-                <a:solidFill>
-                  <a:srgbClr val="FF0000"/>
-                </a:solidFill>
-                <a:uFill>
-                  <a:solidFill>
-                    <a:srgbClr val="FFFFFF"/>
-                  </a:solidFill>
-                </a:uFill>
-                <a:latin typeface="Calibri"/>
-              </a:rPr>
-              <a:t>超过了之前最好的结果9%</a:t>
-            </a:r>
-            <a:r>
-              <a:rPr lang="zh-CN" altLang="en-US" sz="2400" b="1" strike="noStrike" spc="-1" dirty="0" smtClean="0">
-                <a:solidFill>
-                  <a:srgbClr val="FF0000"/>
-                </a:solidFill>
-                <a:uFill>
-                  <a:solidFill>
-                    <a:srgbClr val="FFFFFF"/>
-                  </a:solidFill>
-                </a:uFill>
-                <a:latin typeface="Calibri"/>
-              </a:rPr>
-              <a:t>左右</a:t>
-            </a:r>
-            <a:r>
-              <a:rPr lang="en-US" sz="2400" b="1" strike="noStrike" spc="-1" dirty="0" smtClean="0">
-                <a:solidFill>
-                  <a:srgbClr val="FF0000"/>
-                </a:solidFill>
-                <a:uFill>
-                  <a:solidFill>
-                    <a:srgbClr val="FFFFFF"/>
-                  </a:solidFill>
-                </a:uFill>
-                <a:latin typeface="Calibri"/>
-              </a:rPr>
-              <a:t> </a:t>
-            </a:r>
-            <a:r>
-              <a:rPr lang="en-US" sz="2400" b="0" strike="noStrike" spc="-1" dirty="0">
-                <a:solidFill>
-                  <a:srgbClr val="000000"/>
-                </a:solidFill>
-                <a:uFill>
-                  <a:solidFill>
-                    <a:srgbClr val="FFFFFF"/>
-                  </a:solidFill>
-                </a:uFill>
-                <a:latin typeface="Calibri"/>
-              </a:rPr>
-              <a:t>。</a:t>
-            </a:r>
-            <a:endParaRPr lang="en-US" sz="1800" b="0" strike="noStrike" spc="-1" dirty="0">
-              <a:solidFill>
-                <a:srgbClr val="000000"/>
-              </a:solidFill>
-              <a:uFill>
-                <a:solidFill>
-                  <a:srgbClr val="FFFFFF"/>
-                </a:solidFill>
-              </a:uFill>
-              <a:latin typeface="Arial"/>
-            </a:endParaRPr>
-          </a:p>
-        </p:txBody>
       </p:sp>
       <p:pic>
         <p:nvPicPr>
-          <p:cNvPr id="3074" name="Picture 2"/>
+          <p:cNvPr id="1026" name="Picture 2"/>
           <p:cNvPicPr>
             <a:picLocks noChangeAspect="1" noChangeArrowheads="1"/>
           </p:cNvPicPr>
           <p:nvPr/>
         </p:nvPicPr>
         <p:blipFill>
-          <a:blip r:embed="rId2" cstate="print"/>
+          <a:blip r:embed="rId3" cstate="print"/>
           <a:srcRect/>
           <a:stretch>
             <a:fillRect/>
@@ -5699,8 +6763,8 @@
         </p:blipFill>
         <p:spPr bwMode="auto">
           <a:xfrm>
-            <a:off x="1271464" y="1772816"/>
-            <a:ext cx="9433048" cy="4928900"/>
+            <a:off x="479376" y="1268760"/>
+            <a:ext cx="8496944" cy="4464496"/>
           </a:xfrm>
           <a:prstGeom prst="rect">
             <a:avLst/>
@@ -5714,6 +6778,112 @@
           </a:ln>
         </p:spPr>
       </p:pic>
+      <p:sp>
+        <p:nvSpPr>
+          <p:cNvPr id="6" name="TextBox 5"/>
+          <p:cNvSpPr txBox="1"/>
+          <p:nvPr/>
+        </p:nvSpPr>
+        <p:spPr>
+          <a:xfrm>
+            <a:off x="8976320" y="2348880"/>
+            <a:ext cx="2877664" cy="3416320"/>
+          </a:xfrm>
+          <a:prstGeom prst="rect">
+            <a:avLst/>
+          </a:prstGeom>
+          <a:noFill/>
+        </p:spPr>
+        <p:txBody>
+          <a:bodyPr wrap="square" rtlCol="0">
+            <a:spAutoFit/>
+          </a:bodyPr>
+          <a:lstStyle/>
+          <a:p>
+            <a:r>
+              <a:rPr lang="zh-CN" altLang="zh-CN" dirty="0" smtClean="0"/>
+              <a:t>该模型通过从域DA</a:t>
+            </a:r>
+            <a:r>
+              <a:rPr lang="zh-CN" altLang="zh-CN" dirty="0" smtClean="0">
+                <a:solidFill>
+                  <a:srgbClr val="FF0000"/>
+                </a:solidFill>
+              </a:rPr>
+              <a:t>获取输入图像</a:t>
+            </a:r>
+            <a:r>
+              <a:rPr lang="zh-CN" altLang="zh-CN" dirty="0" smtClean="0"/>
+              <a:t>，该输入图像</a:t>
+            </a:r>
+            <a:r>
+              <a:rPr lang="zh-CN" altLang="zh-CN" dirty="0" smtClean="0">
+                <a:solidFill>
+                  <a:srgbClr val="FF0000"/>
+                </a:solidFill>
+              </a:rPr>
+              <a:t>被传递到第一个生成器GeneratorA→B</a:t>
+            </a:r>
+            <a:r>
+              <a:rPr lang="zh-CN" altLang="zh-CN" dirty="0" smtClean="0"/>
+              <a:t>，其任务是将来自域DA的给定图像转换到目标域DB中的图像。然后这个新生成的图像被</a:t>
+            </a:r>
+            <a:r>
+              <a:rPr lang="zh-CN" altLang="zh-CN" dirty="0" smtClean="0">
+                <a:solidFill>
+                  <a:srgbClr val="FF0000"/>
+                </a:solidFill>
+              </a:rPr>
+              <a:t>传递到另一个生成器GeneratorB→A</a:t>
+            </a:r>
+            <a:r>
+              <a:rPr lang="zh-CN" altLang="zh-CN" dirty="0" smtClean="0"/>
+              <a:t>，其任务是在原始域DA转换回图像CyclicA。</a:t>
+            </a:r>
+          </a:p>
+          <a:p>
+            <a:endParaRPr lang="zh-CN" altLang="en-US" dirty="0"/>
+          </a:p>
+        </p:txBody>
+      </p:sp>
+      <p:sp>
+        <p:nvSpPr>
+          <p:cNvPr id="7" name="TextBox 6"/>
+          <p:cNvSpPr txBox="1"/>
+          <p:nvPr/>
+        </p:nvSpPr>
+        <p:spPr>
+          <a:xfrm>
+            <a:off x="767408" y="6021288"/>
+            <a:ext cx="6464334" cy="369332"/>
+          </a:xfrm>
+          <a:prstGeom prst="rect">
+            <a:avLst/>
+          </a:prstGeom>
+          <a:noFill/>
+        </p:spPr>
+        <p:txBody>
+          <a:bodyPr wrap="none" rtlCol="0">
+            <a:spAutoFit/>
+          </a:bodyPr>
+          <a:lstStyle/>
+          <a:p>
+            <a:r>
+              <a:rPr lang="en-US" altLang="zh-CN" dirty="0" smtClean="0">
+                <a:solidFill>
+                  <a:srgbClr val="FF0000"/>
+                </a:solidFill>
+              </a:rPr>
+              <a:t>https://www.leiphone.com/news/201709/i9qlcvWrpitOacjf.html</a:t>
+            </a:r>
+            <a:endParaRPr lang="zh-CN" altLang="en-US" dirty="0">
+              <a:solidFill>
+                <a:srgbClr val="FF0000"/>
+              </a:solidFill>
+            </a:endParaRPr>
+          </a:p>
+        </p:txBody>
+      </p:sp>
     </p:spTree>
   </p:cSld>
   <p:clrMapOvr>
@@ -5768,14 +6938,14 @@
       </p:grpSpPr>
       <p:sp>
         <p:nvSpPr>
-          <p:cNvPr id="88" name="CustomShape 1"/>
+          <p:cNvPr id="84" name="CustomShape 1"/>
           <p:cNvSpPr/>
           <p:nvPr/>
         </p:nvSpPr>
         <p:spPr>
           <a:xfrm>
-            <a:off x="911424" y="836712"/>
-            <a:ext cx="9670680" cy="411480"/>
+            <a:off x="596520" y="537480"/>
+            <a:ext cx="10514520" cy="767520"/>
           </a:xfrm>
           <a:prstGeom prst="rect">
             <a:avLst/>
@@ -5807,7 +6977,7 @@
               </a:lnSpc>
             </a:pPr>
             <a:r>
-              <a:rPr lang="en-US" sz="3200" b="1" strike="noStrike" spc="-1" dirty="0" err="1">
+              <a:rPr lang="en-US" sz="3200" b="1" strike="noStrike" spc="-1" dirty="0" err="1" smtClean="0">
                 <a:solidFill>
                   <a:srgbClr val="000000"/>
                 </a:solidFill>
@@ -5817,26 +6987,75 @@
                   </a:solidFill>
                 </a:uFill>
                 <a:latin typeface="Calibri Light"/>
-              </a:rPr>
-              <a:t>实验</a:t>
-            </a:r>
-            <a:endParaRPr lang="en-US" sz="1800" b="0" strike="noStrike" spc="-1" dirty="0">
-              <a:solidFill>
-                <a:srgbClr val="000000"/>
-              </a:solidFill>
-              <a:uFill>
-                <a:solidFill>
-                  <a:srgbClr val="FFFFFF"/>
-                </a:solidFill>
-              </a:uFill>
-              <a:latin typeface="Arial"/>
-            </a:endParaRPr>
-          </a:p>
-        </p:txBody>
+                <a:ea typeface="DejaVu Sans"/>
+              </a:rPr>
+              <a:t>CycleGAN的</a:t>
+            </a:r>
+            <a:r>
+              <a:rPr lang="zh-CN" altLang="en-US" sz="3200" b="1" strike="noStrike" spc="-1" dirty="0" smtClean="0">
+                <a:solidFill>
+                  <a:srgbClr val="000000"/>
+                </a:solidFill>
+                <a:uFill>
+                  <a:solidFill>
+                    <a:srgbClr val="FFFFFF"/>
+                  </a:solidFill>
+                </a:uFill>
+                <a:latin typeface="Calibri Light"/>
+                <a:ea typeface="DejaVu Sans"/>
+              </a:rPr>
+              <a:t>效果</a:t>
+            </a:r>
+            <a:endParaRPr lang="en-US" altLang="zh-CN" sz="3200" b="1" strike="noStrike" spc="-1" dirty="0" smtClean="0">
+              <a:solidFill>
+                <a:srgbClr val="000000"/>
+              </a:solidFill>
+              <a:uFill>
+                <a:solidFill>
+                  <a:srgbClr val="FFFFFF"/>
+                </a:solidFill>
+              </a:uFill>
+              <a:latin typeface="Calibri Light"/>
+              <a:ea typeface="DejaVu Sans"/>
+            </a:endParaRPr>
+          </a:p>
+        </p:txBody>
+      </p:sp>
+      <p:sp>
+        <p:nvSpPr>
+          <p:cNvPr id="85" name="CustomShape 2"/>
+          <p:cNvSpPr/>
+          <p:nvPr/>
+        </p:nvSpPr>
+        <p:spPr>
+          <a:xfrm>
+            <a:off x="4003560" y="-144360"/>
+            <a:ext cx="303840" cy="303840"/>
+          </a:xfrm>
+          <a:prstGeom prst="rect">
+            <a:avLst/>
+          </a:prstGeom>
+          <a:noFill/>
+          <a:ln>
+            <a:noFill/>
+          </a:ln>
+        </p:spPr>
+        <p:style>
+          <a:lnRef idx="0">
+            <a:scrgbClr r="0" g="0" b="0"/>
+          </a:lnRef>
+          <a:fillRef idx="0">
+            <a:scrgbClr r="0" g="0" b="0"/>
+          </a:fillRef>
+          <a:effectRef idx="0">
+            <a:scrgbClr r="0" g="0" b="0"/>
+          </a:effectRef>
+          <a:fontRef idx="minor"/>
+        </p:style>
       </p:sp>
       <p:pic>
         <p:nvPicPr>
-          <p:cNvPr id="6146" name="Picture 2"/>
+          <p:cNvPr id="2050" name="Picture 2"/>
           <p:cNvPicPr>
             <a:picLocks noChangeAspect="1" noChangeArrowheads="1"/>
           </p:cNvPicPr>
@@ -5851,8 +7070,8 @@
         </p:blipFill>
         <p:spPr bwMode="auto">
           <a:xfrm>
-            <a:off x="479376" y="1700808"/>
-            <a:ext cx="11376228" cy="4320480"/>
+            <a:off x="4727848" y="1412776"/>
+            <a:ext cx="6768752" cy="5049231"/>
           </a:xfrm>
           <a:prstGeom prst="rect">
             <a:avLst/>
@@ -5866,6 +7085,48 @@
           </a:ln>
         </p:spPr>
       </p:pic>
+      <p:sp>
+        <p:nvSpPr>
+          <p:cNvPr id="7" name="TextBox 6"/>
+          <p:cNvSpPr txBox="1"/>
+          <p:nvPr/>
+        </p:nvSpPr>
+        <p:spPr>
+          <a:xfrm>
+            <a:off x="407368" y="2852936"/>
+            <a:ext cx="3960440" cy="1569660"/>
+          </a:xfrm>
+          <a:prstGeom prst="rect">
+            <a:avLst/>
+          </a:prstGeom>
+          <a:noFill/>
+        </p:spPr>
+        <p:txBody>
+          <a:bodyPr wrap="square" rtlCol="0">
+            <a:spAutoFit/>
+          </a:bodyPr>
+          <a:lstStyle/>
+          <a:p>
+            <a:r>
+              <a:rPr lang="zh-CN" altLang="en-US" sz="2400" b="1" dirty="0" smtClean="0">
+                <a:solidFill>
+                  <a:srgbClr val="FF0000"/>
+                </a:solidFill>
+              </a:rPr>
+              <a:t>自动将某一类图片转换成另外一类图片</a:t>
+            </a:r>
+            <a:r>
+              <a:rPr lang="zh-CN" altLang="en-US" sz="2400" b="1" dirty="0" smtClean="0"/>
+              <a:t>，</a:t>
+            </a:r>
+            <a:r>
+              <a:rPr lang="zh-CN" altLang="en-US" sz="2400" dirty="0" smtClean="0"/>
+              <a:t>比如将普通的马和斑马进行互相转换，将苹果和橘子进行互相转换。</a:t>
+            </a:r>
+            <a:endParaRPr lang="zh-CN" altLang="en-US" sz="2400" dirty="0"/>
+          </a:p>
+        </p:txBody>
+      </p:sp>
     </p:spTree>
   </p:cSld>
   <p:clrMapOvr>
@@ -5920,14 +7181,14 @@
       </p:grpSpPr>
       <p:sp>
         <p:nvSpPr>
-          <p:cNvPr id="91" name="CustomShape 1"/>
+          <p:cNvPr id="87" name="CustomShape 1"/>
           <p:cNvSpPr/>
           <p:nvPr/>
         </p:nvSpPr>
         <p:spPr>
           <a:xfrm>
             <a:off x="888480" y="417960"/>
-            <a:ext cx="9670680" cy="411480"/>
+            <a:ext cx="9670320" cy="411120"/>
           </a:xfrm>
           <a:prstGeom prst="rect">
             <a:avLst/>
@@ -5969,8 +7230,168 @@
                   </a:solidFill>
                 </a:uFill>
                 <a:latin typeface="Calibri Light"/>
-              </a:rPr>
-              <a:t>更多直观的对比</a:t>
+                <a:ea typeface="DejaVu Sans"/>
+              </a:rPr>
+              <a:t>实验</a:t>
+            </a:r>
+            <a:endParaRPr lang="en-US" sz="1800" b="0" strike="noStrike" spc="-1">
+              <a:solidFill>
+                <a:srgbClr val="000000"/>
+              </a:solidFill>
+              <a:uFill>
+                <a:solidFill>
+                  <a:srgbClr val="FFFFFF"/>
+                </a:solidFill>
+              </a:uFill>
+              <a:latin typeface="Arial"/>
+            </a:endParaRPr>
+          </a:p>
+        </p:txBody>
+      </p:sp>
+      <p:sp>
+        <p:nvSpPr>
+          <p:cNvPr id="88" name="CustomShape 2"/>
+          <p:cNvSpPr/>
+          <p:nvPr/>
+        </p:nvSpPr>
+        <p:spPr>
+          <a:xfrm>
+            <a:off x="839520" y="908640"/>
+            <a:ext cx="10514520" cy="1438560"/>
+          </a:xfrm>
+          <a:prstGeom prst="rect">
+            <a:avLst/>
+          </a:prstGeom>
+          <a:noFill/>
+          <a:ln>
+            <a:noFill/>
+          </a:ln>
+        </p:spPr>
+        <p:style>
+          <a:lnRef idx="0">
+            <a:scrgbClr r="0" g="0" b="0"/>
+          </a:lnRef>
+          <a:fillRef idx="0">
+            <a:scrgbClr r="0" g="0" b="0"/>
+          </a:fillRef>
+          <a:effectRef idx="0">
+            <a:scrgbClr r="0" g="0" b="0"/>
+          </a:effectRef>
+          <a:fontRef idx="minor"/>
+        </p:style>
+        <p:txBody>
+          <a:bodyPr lIns="90000" tIns="45000" rIns="90000" bIns="45000"/>
+          <a:lstStyle/>
+          <a:p>
+            <a:pPr>
+              <a:lnSpc>
+                <a:spcPct val="100000"/>
+              </a:lnSpc>
+            </a:pPr>
+            <a:r>
+              <a:rPr lang="en-US" sz="2400" b="0" strike="noStrike" spc="-1">
+                <a:solidFill>
+                  <a:srgbClr val="000000"/>
+                </a:solidFill>
+                <a:uFill>
+                  <a:solidFill>
+                    <a:srgbClr val="FFFFFF"/>
+                  </a:solidFill>
+                </a:uFill>
+                <a:latin typeface="Calibri"/>
+                <a:ea typeface="DejaVu Sans"/>
+              </a:rPr>
+              <a:t>	在</a:t>
+            </a:r>
+            <a:r>
+              <a:rPr lang="en-US" sz="2400" b="0" strike="noStrike" spc="-1">
+                <a:solidFill>
+                  <a:srgbClr val="000000"/>
+                </a:solidFill>
+                <a:uFill>
+                  <a:solidFill>
+                    <a:srgbClr val="FFFFFF"/>
+                  </a:solidFill>
+                </a:uFill>
+                <a:latin typeface="Arial"/>
+                <a:ea typeface="DejaVu Sans"/>
+              </a:rPr>
+              <a:t> The Sketchy Dataset 和TU-Berlin</a:t>
+            </a:r>
+            <a:r>
+              <a:rPr lang="en-US" sz="2400" b="0" strike="noStrike" spc="-1">
+                <a:solidFill>
+                  <a:srgbClr val="000000"/>
+                </a:solidFill>
+                <a:uFill>
+                  <a:solidFill>
+                    <a:srgbClr val="FFFFFF"/>
+                  </a:solidFill>
+                </a:uFill>
+                <a:latin typeface="Calibri"/>
+                <a:ea typeface="DejaVu Sans"/>
+              </a:rPr>
+              <a:t>数据集上进行的评估结果表明， </a:t>
+            </a:r>
+            <a:r>
+              <a:rPr lang="en-US" sz="2400" b="1" strike="noStrike" spc="-1">
+                <a:solidFill>
+                  <a:srgbClr val="000000"/>
+                </a:solidFill>
+                <a:uFill>
+                  <a:solidFill>
+                    <a:srgbClr val="FFFFFF"/>
+                  </a:solidFill>
+                </a:uFill>
+                <a:latin typeface="Calibri Light"/>
+                <a:ea typeface="DejaVu Sans"/>
+              </a:rPr>
+              <a:t>SEM-PCYC </a:t>
+            </a:r>
+            <a:r>
+              <a:rPr lang="en-US" sz="2400" b="0" strike="noStrike" spc="-1">
+                <a:solidFill>
+                  <a:srgbClr val="000000"/>
+                </a:solidFill>
+                <a:uFill>
+                  <a:solidFill>
+                    <a:srgbClr val="FFFFFF"/>
+                  </a:solidFill>
+                </a:uFill>
+                <a:latin typeface="Calibri"/>
+                <a:ea typeface="DejaVu Sans"/>
+              </a:rPr>
+              <a:t>的表现大幅优于主流的检测算法，</a:t>
+            </a:r>
+            <a:r>
+              <a:rPr lang="en-US" sz="2400" b="1" strike="noStrike" spc="-1">
+                <a:solidFill>
+                  <a:srgbClr val="FF0000"/>
+                </a:solidFill>
+                <a:uFill>
+                  <a:solidFill>
+                    <a:srgbClr val="FFFFFF"/>
+                  </a:solidFill>
+                </a:uFill>
+                <a:latin typeface="Calibri"/>
+                <a:ea typeface="DejaVu Sans"/>
+              </a:rPr>
+              <a:t>超过了之前最好的结果9%左右 </a:t>
+            </a:r>
+            <a:r>
+              <a:rPr lang="en-US" sz="2400" b="0" strike="noStrike" spc="-1">
+                <a:solidFill>
+                  <a:srgbClr val="000000"/>
+                </a:solidFill>
+                <a:uFill>
+                  <a:solidFill>
+                    <a:srgbClr val="FFFFFF"/>
+                  </a:solidFill>
+                </a:uFill>
+                <a:latin typeface="Calibri"/>
+                <a:ea typeface="DejaVu Sans"/>
+              </a:rPr>
+              <a:t>。</a:t>
             </a:r>
             <a:endParaRPr lang="en-US" sz="1800" b="0" strike="noStrike" spc="-1">
               <a:solidFill>
@@ -5988,33 +7409,24 @@
       </p:sp>
       <p:pic>
         <p:nvPicPr>
-          <p:cNvPr id="4099" name="Picture 3"/>
-          <p:cNvPicPr>
-            <a:picLocks noChangeAspect="1" noChangeArrowheads="1"/>
-          </p:cNvPicPr>
+          <p:cNvPr id="89" name="Picture 2"/>
+          <p:cNvPicPr/>
           <p:nvPr/>
         </p:nvPicPr>
         <p:blipFill>
           <a:blip r:embed="rId2" cstate="print"/>
-          <a:srcRect/>
-          <a:stretch>
-            <a:fillRect/>
-          </a:stretch>
+          <a:stretch/>
         </p:blipFill>
-        <p:spPr bwMode="auto">
-          <a:xfrm>
-            <a:off x="1559496" y="1340768"/>
-            <a:ext cx="8700031" cy="5112568"/>
-          </a:xfrm>
-          <a:prstGeom prst="rect">
-            <a:avLst/>
-          </a:prstGeom>
-          <a:noFill/>
-          <a:ln w="9525">
+        <p:spPr>
+          <a:xfrm>
+            <a:off x="1271520" y="1772640"/>
+            <a:ext cx="9432720" cy="4928400"/>
+          </a:xfrm>
+          <a:prstGeom prst="rect">
+            <a:avLst/>
+          </a:prstGeom>
+          <a:ln w="9360">
             <a:noFill/>
-            <a:miter lim="800000"/>
-            <a:headEnd/>
-            <a:tailEnd/>
           </a:ln>
         </p:spPr>
       </p:pic>
@@ -6072,14 +7484,14 @@
       </p:grpSpPr>
       <p:sp>
         <p:nvSpPr>
-          <p:cNvPr id="93" name="CustomShape 1"/>
+          <p:cNvPr id="90" name="CustomShape 1"/>
           <p:cNvSpPr/>
           <p:nvPr/>
         </p:nvSpPr>
         <p:spPr>
           <a:xfrm>
-            <a:off x="888480" y="417960"/>
-            <a:ext cx="9670680" cy="411480"/>
+            <a:off x="911520" y="836640"/>
+            <a:ext cx="9670320" cy="411120"/>
           </a:xfrm>
           <a:prstGeom prst="rect">
             <a:avLst/>
@@ -6121,8 +7533,9 @@
                   </a:solidFill>
                 </a:uFill>
                 <a:latin typeface="Calibri Light"/>
-              </a:rPr>
-              <a:t>更多直观的对比</a:t>
+                <a:ea typeface="DejaVu Sans"/>
+              </a:rPr>
+              <a:t>实验</a:t>
             </a:r>
             <a:endParaRPr lang="en-US" sz="1800" b="0" strike="noStrike" spc="-1">
               <a:solidFill>
@@ -6140,33 +7553,24 @@
       </p:sp>
       <p:pic>
         <p:nvPicPr>
-          <p:cNvPr id="5122" name="Picture 2"/>
-          <p:cNvPicPr>
-            <a:picLocks noChangeAspect="1" noChangeArrowheads="1"/>
-          </p:cNvPicPr>
+          <p:cNvPr id="91" name="Picture 2"/>
+          <p:cNvPicPr/>
           <p:nvPr/>
         </p:nvPicPr>
         <p:blipFill>
           <a:blip r:embed="rId2" cstate="print"/>
-          <a:srcRect/>
-          <a:stretch>
-            <a:fillRect/>
-          </a:stretch>
+          <a:stretch/>
         </p:blipFill>
-        <p:spPr bwMode="auto">
-          <a:xfrm>
-            <a:off x="1487488" y="1124744"/>
-            <a:ext cx="9433048" cy="5462220"/>
-          </a:xfrm>
-          <a:prstGeom prst="rect">
-            <a:avLst/>
-          </a:prstGeom>
-          <a:noFill/>
-          <a:ln w="9525">
+        <p:spPr>
+          <a:xfrm>
+            <a:off x="479520" y="1700640"/>
+            <a:ext cx="11376000" cy="4320000"/>
+          </a:xfrm>
+          <a:prstGeom prst="rect">
+            <a:avLst/>
+          </a:prstGeom>
+          <a:ln w="9360">
             <a:noFill/>
-            <a:miter lim="800000"/>
-            <a:headEnd/>
-            <a:tailEnd/>
           </a:ln>
         </p:spPr>
       </p:pic>
@@ -6653,4 +8057,287 @@
   <a:objectDefaults/>
   <a:extraClrSchemeLst/>
 </a:theme>
+</file>
+
+<file path=ppt/theme/theme3.xml><?xml version="1.0" encoding="utf-8"?>
+<a:theme xmlns:a="http://schemas.openxmlformats.org/drawingml/2006/main" name="Office 主题">
+  <a:themeElements>
+    <a:clrScheme name="Office">
+      <a:dk1>
+        <a:sysClr val="windowText" lastClr="000000"/>
+      </a:dk1>
+      <a:lt1>
+        <a:sysClr val="window" lastClr="FFFFFF"/>
+      </a:lt1>
+      <a:dk2>
+        <a:srgbClr val="1F497D"/>
+      </a:dk2>
+      <a:lt2>
+        <a:srgbClr val="EEECE1"/>
+      </a:lt2>
+      <a:accent1>
+        <a:srgbClr val="4F81BD"/>
+      </a:accent1>
+      <a:accent2>
+        <a:srgbClr val="C0504D"/>
+      </a:accent2>
+      <a:accent3>
+        <a:srgbClr val="9BBB59"/>
+      </a:accent3>
+      <a:accent4>
+        <a:srgbClr val="8064A2"/>
+      </a:accent4>
+      <a:accent5>
+        <a:srgbClr val="4BACC6"/>
+      </a:accent5>
+      <a:accent6>
+        <a:srgbClr val="F79646"/>
+      </a:accent6>
+      <a:hlink>
+        <a:srgbClr val="0000FF"/>
+      </a:hlink>
+      <a:folHlink>
+        <a:srgbClr val="800080"/>
+      </a:folHlink>
+    </a:clrScheme>
+    <a:fontScheme name="Office">
+      <a:majorFont>
+        <a:latin typeface="Calibri"/>
+        <a:ea typeface=""/>
+        <a:cs typeface=""/>
+        <a:font script="Jpan" typeface="ＭＳ Ｐゴシック"/>
+        <a:font script="Hang" typeface="맑은 고딕"/>
+        <a:font script="Hans" typeface="宋体"/>
+        <a:font script="Hant" typeface="新細明體"/>
+        <a:font script="Arab" typeface="Times New Roman"/>
+        <a:font script="Hebr" typeface="Times New Roman"/>
+        <a:font script="Thai" typeface="Angsana New"/>
+        <a:font script="Ethi" typeface="Nyala"/>
+        <a:font script="Beng" typeface="Vrinda"/>
+        <a:font script="Gujr" typeface="Shruti"/>
+        <a:font script="Khmr" typeface="MoolBoran"/>
+        <a:font script="Knda" typeface="Tunga"/>
+        <a:font script="Guru" typeface="Raavi"/>
+        <a:font script="Cans" typeface="Euphemia"/>
+        <a:font script="Cher" typeface="Plantagenet Cherokee"/>
+        <a:font script="Yiii" typeface="Microsoft Yi Baiti"/>
+        <a:font script="Tibt" typeface="Microsoft Himalaya"/>
+        <a:font script="Thaa" typeface="MV Boli"/>
+        <a:font script="Deva" typeface="Mangal"/>
+        <a:font script="Telu" typeface="Gautami"/>
+        <a:font script="Taml" typeface="Latha"/>
+        <a:font script="Syrc" typeface="Estrangelo Edessa"/>
+        <a:font script="Orya" typeface="Kalinga"/>
+        <a:font script="Mlym" typeface="Kartika"/>
+        <a:font script="Laoo" typeface="DokChampa"/>
+        <a:font script="Sinh" typeface="Iskoola Pota"/>
+        <a:font script="Mong" typeface="Mongolian Baiti"/>
+        <a:font script="Viet" typeface="Times New Roman"/>
+        <a:font script="Uigh" typeface="Microsoft Uighur"/>
+      </a:majorFont>
+      <a:minorFont>
+        <a:latin typeface="Calibri"/>
+        <a:ea typeface=""/>
+        <a:cs typeface=""/>
+        <a:font script="Jpan" typeface="ＭＳ Ｐゴシック"/>
+        <a:font script="Hang" typeface="맑은 고딕"/>
+        <a:font script="Hans" typeface="宋体"/>
+        <a:font script="Hant" typeface="新細明體"/>
+        <a:font script="Arab" typeface="Arial"/>
+        <a:font script="Hebr" typeface="Arial"/>
+        <a:font script="Thai" typeface="Cordia New"/>
+        <a:font script="Ethi" typeface="Nyala"/>
+        <a:font script="Beng" typeface="Vrinda"/>
+        <a:font script="Gujr" typeface="Shruti"/>
+        <a:font script="Khmr" typeface="DaunPenh"/>
+        <a:font script="Knda" typeface="Tunga"/>
+        <a:font script="Guru" typeface="Raavi"/>
+        <a:font script="Cans" typeface="Euphemia"/>
+        <a:font script="Cher" typeface="Plantagenet Cherokee"/>
+        <a:font script="Yiii" typeface="Microsoft Yi Baiti"/>
+        <a:font script="Tibt" typeface="Microsoft Himalaya"/>
+        <a:font script="Thaa" typeface="MV Boli"/>
+        <a:font script="Deva" typeface="Mangal"/>
+        <a:font script="Telu" typeface="Gautami"/>
+        <a:font script="Taml" typeface="Latha"/>
+        <a:font script="Syrc" typeface="Estrangelo Edessa"/>
+        <a:font script="Orya" typeface="Kalinga"/>
+        <a:font script="Mlym" typeface="Kartika"/>
+        <a:font script="Laoo" typeface="DokChampa"/>
+        <a:font script="Sinh" typeface="Iskoola Pota"/>
+        <a:font script="Mong" typeface="Mongolian Baiti"/>
+        <a:font script="Viet" typeface="Arial"/>
+        <a:font script="Uigh" typeface="Microsoft Uighur"/>
+      </a:minorFont>
+    </a:fontScheme>
+    <a:fmtScheme name="Office">
+      <a:fillStyleLst>
+        <a:solidFill>
+          <a:schemeClr val="phClr"/>
+        </a:solidFill>
+        <a:gradFill rotWithShape="1">
+          <a:gsLst>
+            <a:gs pos="0">
+              <a:schemeClr val="phClr">
+                <a:tint val="50000"/>
+                <a:satMod val="300000"/>
+              </a:schemeClr>
+            </a:gs>
+            <a:gs pos="35000">
+              <a:schemeClr val="phClr">
+                <a:tint val="37000"/>
+                <a:satMod val="300000"/>
+              </a:schemeClr>
+            </a:gs>
+            <a:gs pos="100000">
+              <a:schemeClr val="phClr">
+                <a:tint val="15000"/>
+                <a:satMod val="350000"/>
+              </a:schemeClr>
+            </a:gs>
+          </a:gsLst>
+          <a:lin ang="16200000" scaled="1"/>
+        </a:gradFill>
+        <a:gradFill rotWithShape="1">
+          <a:gsLst>
+            <a:gs pos="0">
+              <a:schemeClr val="phClr">
+                <a:shade val="51000"/>
+                <a:satMod val="130000"/>
+              </a:schemeClr>
+            </a:gs>
+            <a:gs pos="80000">
+              <a:schemeClr val="phClr">
+                <a:shade val="93000"/>
+                <a:satMod val="130000"/>
+              </a:schemeClr>
+            </a:gs>
+            <a:gs pos="100000">
+              <a:schemeClr val="phClr">
+                <a:shade val="94000"/>
+                <a:satMod val="135000"/>
+              </a:schemeClr>
+            </a:gs>
+          </a:gsLst>
+          <a:lin ang="16200000" scaled="0"/>
+        </a:gradFill>
+      </a:fillStyleLst>
+      <a:lnStyleLst>
+        <a:ln w="9525" cap="flat" cmpd="sng" algn="ctr">
+          <a:solidFill>
+            <a:schemeClr val="phClr">
+              <a:shade val="95000"/>
+              <a:satMod val="105000"/>
+            </a:schemeClr>
+          </a:solidFill>
+          <a:prstDash val="solid"/>
+        </a:ln>
+        <a:ln w="25400" cap="flat" cmpd="sng" algn="ctr">
+          <a:solidFill>
+            <a:schemeClr val="phClr"/>
+          </a:solidFill>
+          <a:prstDash val="solid"/>
+        </a:ln>
+        <a:ln w="38100" cap="flat" cmpd="sng" algn="ctr">
+          <a:solidFill>
+            <a:schemeClr val="phClr"/>
+          </a:solidFill>
+          <a:prstDash val="solid"/>
+        </a:ln>
+      </a:lnStyleLst>
+      <a:effectStyleLst>
+        <a:effectStyle>
+          <a:effectLst>
+            <a:outerShdw blurRad="40000" dist="20000" dir="5400000" rotWithShape="0">
+              <a:srgbClr val="000000">
+                <a:alpha val="38000"/>
+              </a:srgbClr>
+            </a:outerShdw>
+          </a:effectLst>
+        </a:effectStyle>
+        <a:effectStyle>
+          <a:effectLst>
+            <a:outerShdw blurRad="40000" dist="23000" dir="5400000" rotWithShape="0">
+              <a:srgbClr val="000000">
+                <a:alpha val="35000"/>
+              </a:srgbClr>
+            </a:outerShdw>
+          </a:effectLst>
+        </a:effectStyle>
+        <a:effectStyle>
+          <a:effectLst>
+            <a:outerShdw blurRad="40000" dist="23000" dir="5400000" rotWithShape="0">
+              <a:srgbClr val="000000">
+                <a:alpha val="35000"/>
+              </a:srgbClr>
+            </a:outerShdw>
+          </a:effectLst>
+          <a:scene3d>
+            <a:camera prst="orthographicFront">
+              <a:rot lat="0" lon="0" rev="0"/>
+            </a:camera>
+            <a:lightRig rig="threePt" dir="t">
+              <a:rot lat="0" lon="0" rev="1200000"/>
+            </a:lightRig>
+          </a:scene3d>
+          <a:sp3d>
+            <a:bevelT w="63500" h="25400"/>
+          </a:sp3d>
+        </a:effectStyle>
+      </a:effectStyleLst>
+      <a:bgFillStyleLst>
+        <a:solidFill>
+          <a:schemeClr val="phClr"/>
+        </a:solidFill>
+        <a:gradFill rotWithShape="1">
+          <a:gsLst>
+            <a:gs pos="0">
+              <a:schemeClr val="phClr">
+                <a:tint val="40000"/>
+                <a:satMod val="350000"/>
+              </a:schemeClr>
+            </a:gs>
+            <a:gs pos="40000">
+              <a:schemeClr val="phClr">
+                <a:tint val="45000"/>
+                <a:shade val="99000"/>
+                <a:satMod val="350000"/>
+              </a:schemeClr>
+            </a:gs>
+            <a:gs pos="100000">
+              <a:schemeClr val="phClr">
+                <a:shade val="20000"/>
+                <a:satMod val="255000"/>
+              </a:schemeClr>
+            </a:gs>
+          </a:gsLst>
+          <a:path path="circle">
+            <a:fillToRect l="50000" t="-80000" r="50000" b="180000"/>
+          </a:path>
+        </a:gradFill>
+        <a:gradFill rotWithShape="1">
+          <a:gsLst>
+            <a:gs pos="0">
+              <a:schemeClr val="phClr">
+                <a:tint val="80000"/>
+                <a:satMod val="300000"/>
+              </a:schemeClr>
+            </a:gs>
+            <a:gs pos="100000">
+              <a:schemeClr val="phClr">
+                <a:shade val="30000"/>
+                <a:satMod val="200000"/>
+              </a:schemeClr>
+            </a:gs>
+          </a:gsLst>
+          <a:path path="circle">
+            <a:fillToRect l="50000" t="50000" r="50000" b="50000"/>
+          </a:path>
+        </a:gradFill>
+      </a:bgFillStyleLst>
+    </a:fmtScheme>
+  </a:themeElements>
+  <a:objectDefaults/>
+  <a:extraClrSchemeLst/>
+</a:theme>
 </file>